--- a/_teaching/csci112-fall-2023/lectures/ppts/Chapter10.pptx
+++ b/_teaching/csci112-fall-2023/lectures/ppts/Chapter10.pptx
@@ -5,34 +5,33 @@
     <p:sldMasterId id="2147483696" r:id="rId1"/>
   </p:sldMasterIdLst>
   <p:notesMasterIdLst>
-    <p:notesMasterId r:id="rId27"/>
+    <p:notesMasterId r:id="rId26"/>
   </p:notesMasterIdLst>
   <p:sldIdLst>
     <p:sldId id="256" r:id="rId2"/>
     <p:sldId id="267" r:id="rId3"/>
-    <p:sldId id="271" r:id="rId4"/>
-    <p:sldId id="272" r:id="rId5"/>
-    <p:sldId id="304" r:id="rId6"/>
-    <p:sldId id="305" r:id="rId7"/>
-    <p:sldId id="273" r:id="rId8"/>
-    <p:sldId id="274" r:id="rId9"/>
-    <p:sldId id="276" r:id="rId10"/>
-    <p:sldId id="277" r:id="rId11"/>
-    <p:sldId id="278" r:id="rId12"/>
-    <p:sldId id="279" r:id="rId13"/>
-    <p:sldId id="281" r:id="rId14"/>
-    <p:sldId id="282" r:id="rId15"/>
-    <p:sldId id="283" r:id="rId16"/>
-    <p:sldId id="284" r:id="rId17"/>
-    <p:sldId id="280" r:id="rId18"/>
-    <p:sldId id="285" r:id="rId19"/>
-    <p:sldId id="275" r:id="rId20"/>
-    <p:sldId id="286" r:id="rId21"/>
-    <p:sldId id="287" r:id="rId22"/>
-    <p:sldId id="288" r:id="rId23"/>
-    <p:sldId id="307" r:id="rId24"/>
-    <p:sldId id="306" r:id="rId25"/>
-    <p:sldId id="308" r:id="rId26"/>
+    <p:sldId id="272" r:id="rId4"/>
+    <p:sldId id="305" r:id="rId5"/>
+    <p:sldId id="273" r:id="rId6"/>
+    <p:sldId id="274" r:id="rId7"/>
+    <p:sldId id="304" r:id="rId8"/>
+    <p:sldId id="276" r:id="rId9"/>
+    <p:sldId id="277" r:id="rId10"/>
+    <p:sldId id="278" r:id="rId11"/>
+    <p:sldId id="279" r:id="rId12"/>
+    <p:sldId id="281" r:id="rId13"/>
+    <p:sldId id="282" r:id="rId14"/>
+    <p:sldId id="283" r:id="rId15"/>
+    <p:sldId id="284" r:id="rId16"/>
+    <p:sldId id="280" r:id="rId17"/>
+    <p:sldId id="285" r:id="rId18"/>
+    <p:sldId id="275" r:id="rId19"/>
+    <p:sldId id="286" r:id="rId20"/>
+    <p:sldId id="287" r:id="rId21"/>
+    <p:sldId id="288" r:id="rId22"/>
+    <p:sldId id="307" r:id="rId23"/>
+    <p:sldId id="306" r:id="rId24"/>
+    <p:sldId id="308" r:id="rId25"/>
   </p:sldIdLst>
   <p:sldSz cx="9144000" cy="6858000" type="screen4x3"/>
   <p:notesSz cx="6858000" cy="9144000"/>
@@ -232,7 +231,7 @@
           <a:p>
             <a:fld id="{E98CB7A6-F9BD-49C3-9ECF-4DAF095CBB1C}" type="datetimeFigureOut">
               <a:rPr lang="en-US" smtClean="0"/>
-              <a:t>3/29/23</a:t>
+              <a:t>10/15/23</a:t>
             </a:fld>
             <a:endParaRPr lang="en-US"/>
           </a:p>
@@ -678,7 +677,7 @@
           <a:p>
             <a:fld id="{E3D5AC34-6369-47AD-9227-C94D863A9CC0}" type="datetime1">
               <a:rPr lang="en-US" smtClean="0"/>
-              <a:t>3/29/23</a:t>
+              <a:t>10/15/23</a:t>
             </a:fld>
             <a:endParaRPr lang="en-US"/>
           </a:p>
@@ -849,7 +848,7 @@
           <a:p>
             <a:fld id="{072AE9C9-84B0-4CCC-8BB5-D31EF955DABF}" type="datetime1">
               <a:rPr lang="en-US" smtClean="0"/>
-              <a:t>3/29/23</a:t>
+              <a:t>10/15/23</a:t>
             </a:fld>
             <a:endParaRPr lang="en-US"/>
           </a:p>
@@ -1030,7 +1029,7 @@
           <a:p>
             <a:fld id="{418459C9-6810-46A7-8E27-73A52524CA34}" type="datetime1">
               <a:rPr lang="en-US" smtClean="0"/>
-              <a:t>3/29/23</a:t>
+              <a:t>10/15/23</a:t>
             </a:fld>
             <a:endParaRPr lang="en-US"/>
           </a:p>
@@ -1201,7 +1200,7 @@
           <a:p>
             <a:fld id="{F7BCA306-D31B-4E3C-AD40-EA3294957AA6}" type="datetime1">
               <a:rPr lang="en-US" smtClean="0"/>
-              <a:t>3/29/23</a:t>
+              <a:t>10/15/23</a:t>
             </a:fld>
             <a:endParaRPr lang="en-US"/>
           </a:p>
@@ -1449,7 +1448,7 @@
           <a:p>
             <a:fld id="{5C41660C-86E2-43CF-B22A-29E62815AB7D}" type="datetime1">
               <a:rPr lang="en-US" smtClean="0"/>
-              <a:t>3/29/23</a:t>
+              <a:t>10/15/23</a:t>
             </a:fld>
             <a:endParaRPr lang="en-US"/>
           </a:p>
@@ -1737,7 +1736,7 @@
           <a:p>
             <a:fld id="{94543629-6BC7-4BF9-A2A1-981038F36C55}" type="datetime1">
               <a:rPr lang="en-US" smtClean="0"/>
-              <a:t>3/29/23</a:t>
+              <a:t>10/15/23</a:t>
             </a:fld>
             <a:endParaRPr lang="en-US"/>
           </a:p>
@@ -2159,7 +2158,7 @@
           <a:p>
             <a:fld id="{EB5B99CF-F104-4BC6-A098-3ABC219C8A7D}" type="datetime1">
               <a:rPr lang="en-US" smtClean="0"/>
-              <a:t>3/29/23</a:t>
+              <a:t>10/15/23</a:t>
             </a:fld>
             <a:endParaRPr lang="en-US"/>
           </a:p>
@@ -2279,7 +2278,7 @@
           <a:p>
             <a:fld id="{C07800F5-980D-47D4-9F20-E5F458E76937}" type="datetime1">
               <a:rPr lang="en-US" smtClean="0"/>
-              <a:t>3/29/23</a:t>
+              <a:t>10/15/23</a:t>
             </a:fld>
             <a:endParaRPr lang="en-US"/>
           </a:p>
@@ -2377,7 +2376,7 @@
           <a:p>
             <a:fld id="{913B0C59-39A1-4E7B-8276-56A7060F0A3E}" type="datetime1">
               <a:rPr lang="en-US" smtClean="0"/>
-              <a:t>3/29/23</a:t>
+              <a:t>10/15/23</a:t>
             </a:fld>
             <a:endParaRPr lang="en-US"/>
           </a:p>
@@ -2655,7 +2654,7 @@
           <a:p>
             <a:fld id="{C453B8A8-F829-4B10-8A5D-952BBAE5F11B}" type="datetime1">
               <a:rPr lang="en-US" smtClean="0"/>
-              <a:t>3/29/23</a:t>
+              <a:t>10/15/23</a:t>
             </a:fld>
             <a:endParaRPr lang="en-US"/>
           </a:p>
@@ -2910,7 +2909,7 @@
           <a:p>
             <a:fld id="{805C8FAD-01C2-4C81-8B26-770D72A95E71}" type="datetime1">
               <a:rPr lang="en-US" smtClean="0"/>
-              <a:t>3/29/23</a:t>
+              <a:t>10/15/23</a:t>
             </a:fld>
             <a:endParaRPr lang="en-US"/>
           </a:p>
@@ -3124,7 +3123,7 @@
           <a:p>
             <a:fld id="{3E62D69C-6875-48F7-B20D-CB317DFF406B}" type="datetime1">
               <a:rPr lang="en-US" smtClean="0"/>
-              <a:t>3/29/23</a:t>
+              <a:t>10/15/23</a:t>
             </a:fld>
             <a:endParaRPr lang="en-US"/>
           </a:p>
@@ -3704,100 +3703,7 @@
       </p:grpSpPr>
       <p:sp>
         <p:nvSpPr>
-          <p:cNvPr id="2" name="Title 1"/>
-          <p:cNvSpPr>
-            <a:spLocks noGrp="1"/>
-          </p:cNvSpPr>
-          <p:nvPr>
-            <p:ph type="title"/>
-          </p:nvPr>
-        </p:nvSpPr>
-        <p:spPr/>
-        <p:txBody>
-          <a:bodyPr>
-            <a:normAutofit fontScale="90000"/>
-          </a:bodyPr>
-          <a:lstStyle/>
-          <a:p>
-            <a:r>
-              <a:rPr lang="en-US" dirty="0"/>
-              <a:t>Structure Data Type as Input and Output Parameters</a:t>
-            </a:r>
-          </a:p>
-        </p:txBody>
-      </p:sp>
-      <p:sp>
-        <p:nvSpPr>
-          <p:cNvPr id="3" name="Content Placeholder 2"/>
-          <p:cNvSpPr>
-            <a:spLocks noGrp="1"/>
-          </p:cNvSpPr>
-          <p:nvPr>
-            <p:ph idx="1"/>
-          </p:nvPr>
-        </p:nvSpPr>
-        <p:spPr>
-          <a:xfrm>
-            <a:off x="457200" y="1905000"/>
-            <a:ext cx="8229600" cy="4221163"/>
-          </a:xfrm>
-        </p:spPr>
-        <p:txBody>
-          <a:bodyPr/>
-          <a:lstStyle/>
-          <a:p>
-            <a:r>
-              <a:rPr lang="en-US" dirty="0"/>
-              <a:t>When such a variable is used as an output argument, the address-of operator must be applied in the same way that we would pass output arguments of the standard types </a:t>
-            </a:r>
-            <a:r>
-              <a:rPr lang="en-US" dirty="0">
-                <a:solidFill>
-                  <a:srgbClr val="7030A0"/>
-                </a:solidFill>
-                <a:latin typeface="Cambria" panose="02040503050406030204" pitchFamily="18" charset="0"/>
-              </a:rPr>
-              <a:t>char</a:t>
-            </a:r>
-            <a:r>
-              <a:rPr lang="en-US" dirty="0"/>
-              <a:t>, </a:t>
-            </a:r>
-            <a:r>
-              <a:rPr lang="en-US" dirty="0" err="1">
-                <a:solidFill>
-                  <a:srgbClr val="7030A0"/>
-                </a:solidFill>
-                <a:latin typeface="Cambria" panose="02040503050406030204" pitchFamily="18" charset="0"/>
-              </a:rPr>
-              <a:t>int</a:t>
-            </a:r>
-            <a:r>
-              <a:rPr lang="en-US" dirty="0"/>
-              <a:t>, and </a:t>
-            </a:r>
-            <a:r>
-              <a:rPr lang="en-US" dirty="0">
-                <a:solidFill>
-                  <a:srgbClr val="7030A0"/>
-                </a:solidFill>
-                <a:latin typeface="Cambria" panose="02040503050406030204" pitchFamily="18" charset="0"/>
-              </a:rPr>
-              <a:t>double</a:t>
-            </a:r>
-            <a:r>
-              <a:rPr lang="en-US" dirty="0"/>
-              <a:t>.</a:t>
-            </a:r>
-          </a:p>
-          <a:p>
-            <a:endParaRPr lang="en-US" dirty="0"/>
-          </a:p>
-        </p:txBody>
-      </p:sp>
-      <p:sp>
-        <p:nvSpPr>
-          <p:cNvPr id="4" name="Footer Placeholder 3"/>
+          <p:cNvPr id="2" name="Footer Placeholder 1"/>
           <p:cNvSpPr>
             <a:spLocks noGrp="1"/>
           </p:cNvSpPr>
@@ -3819,7 +3725,7 @@
       </p:sp>
       <p:sp>
         <p:nvSpPr>
-          <p:cNvPr id="5" name="Slide Number Placeholder 4"/>
+          <p:cNvPr id="3" name="Slide Number Placeholder 2"/>
           <p:cNvSpPr>
             <a:spLocks noGrp="1"/>
           </p:cNvSpPr>
@@ -3835,81 +3741,6 @@
             <a:fld id="{85A8DA42-601D-40A8-83CA-2F2CBDE5F9F0}" type="slidenum">
               <a:rPr lang="en-US" smtClean="0"/>
               <a:t>10</a:t>
-            </a:fld>
-            <a:endParaRPr lang="en-US"/>
-          </a:p>
-        </p:txBody>
-      </p:sp>
-    </p:spTree>
-    <p:extLst>
-      <p:ext uri="{BB962C8B-B14F-4D97-AF65-F5344CB8AC3E}">
-        <p14:creationId xmlns:p14="http://schemas.microsoft.com/office/powerpoint/2010/main" val="761219127"/>
-      </p:ext>
-    </p:extLst>
-  </p:cSld>
-  <p:clrMapOvr>
-    <a:masterClrMapping/>
-  </p:clrMapOvr>
-</p:sld>
-</file>
-
-<file path=ppt/slides/slide11.xml><?xml version="1.0" encoding="utf-8"?>
-<p:sld xmlns:a="http://schemas.openxmlformats.org/drawingml/2006/main" xmlns:r="http://schemas.openxmlformats.org/officeDocument/2006/relationships" xmlns:p="http://schemas.openxmlformats.org/presentationml/2006/main">
-  <p:cSld>
-    <p:spTree>
-      <p:nvGrpSpPr>
-        <p:cNvPr id="1" name=""/>
-        <p:cNvGrpSpPr/>
-        <p:nvPr/>
-      </p:nvGrpSpPr>
-      <p:grpSpPr>
-        <a:xfrm>
-          <a:off x="0" y="0"/>
-          <a:ext cx="0" cy="0"/>
-          <a:chOff x="0" y="0"/>
-          <a:chExt cx="0" cy="0"/>
-        </a:xfrm>
-      </p:grpSpPr>
-      <p:sp>
-        <p:nvSpPr>
-          <p:cNvPr id="2" name="Footer Placeholder 1"/>
-          <p:cNvSpPr>
-            <a:spLocks noGrp="1"/>
-          </p:cNvSpPr>
-          <p:nvPr>
-            <p:ph type="ftr" sz="quarter" idx="11"/>
-          </p:nvPr>
-        </p:nvSpPr>
-        <p:spPr/>
-        <p:txBody>
-          <a:bodyPr/>
-          <a:lstStyle/>
-          <a:p>
-            <a:r>
-              <a:rPr lang="en-US"/>
-              <a:t>© 2016 Pearson Education, Inc., Hoboken, NJ.  All rights reserved.</a:t>
-            </a:r>
-          </a:p>
-        </p:txBody>
-      </p:sp>
-      <p:sp>
-        <p:nvSpPr>
-          <p:cNvPr id="3" name="Slide Number Placeholder 2"/>
-          <p:cNvSpPr>
-            <a:spLocks noGrp="1"/>
-          </p:cNvSpPr>
-          <p:nvPr>
-            <p:ph type="sldNum" sz="quarter" idx="12"/>
-          </p:nvPr>
-        </p:nvSpPr>
-        <p:spPr/>
-        <p:txBody>
-          <a:bodyPr/>
-          <a:lstStyle/>
-          <a:p>
-            <a:fld id="{85A8DA42-601D-40A8-83CA-2F2CBDE5F9F0}" type="slidenum">
-              <a:rPr lang="en-US" smtClean="0"/>
-              <a:t>11</a:t>
             </a:fld>
             <a:endParaRPr lang="en-US"/>
           </a:p>
@@ -3982,7 +3813,7 @@
 </p:sld>
 </file>
 
-<file path=ppt/slides/slide12.xml><?xml version="1.0" encoding="utf-8"?>
+<file path=ppt/slides/slide11.xml><?xml version="1.0" encoding="utf-8"?>
 <p:sld xmlns:a="http://schemas.openxmlformats.org/drawingml/2006/main" xmlns:r="http://schemas.openxmlformats.org/officeDocument/2006/relationships" xmlns:p="http://schemas.openxmlformats.org/presentationml/2006/main">
   <p:cSld>
     <p:spTree>
@@ -4038,7 +3869,7 @@
           <a:p>
             <a:fld id="{85A8DA42-601D-40A8-83CA-2F2CBDE5F9F0}" type="slidenum">
               <a:rPr lang="en-US" smtClean="0"/>
-              <a:t>12</a:t>
+              <a:t>11</a:t>
             </a:fld>
             <a:endParaRPr lang="en-US"/>
           </a:p>
@@ -4165,6 +3996,142 @@
 </p:sld>
 </file>
 
+<file path=ppt/slides/slide12.xml><?xml version="1.0" encoding="utf-8"?>
+<p:sld xmlns:a="http://schemas.openxmlformats.org/drawingml/2006/main" xmlns:r="http://schemas.openxmlformats.org/officeDocument/2006/relationships" xmlns:p="http://schemas.openxmlformats.org/presentationml/2006/main">
+  <p:cSld>
+    <p:spTree>
+      <p:nvGrpSpPr>
+        <p:cNvPr id="1" name=""/>
+        <p:cNvGrpSpPr/>
+        <p:nvPr/>
+      </p:nvGrpSpPr>
+      <p:grpSpPr>
+        <a:xfrm>
+          <a:off x="0" y="0"/>
+          <a:ext cx="0" cy="0"/>
+          <a:chOff x="0" y="0"/>
+          <a:chExt cx="0" cy="0"/>
+        </a:xfrm>
+      </p:grpSpPr>
+      <p:sp>
+        <p:nvSpPr>
+          <p:cNvPr id="2" name="Title 1"/>
+          <p:cNvSpPr>
+            <a:spLocks noGrp="1"/>
+          </p:cNvSpPr>
+          <p:nvPr>
+            <p:ph type="title"/>
+          </p:nvPr>
+        </p:nvSpPr>
+        <p:spPr/>
+        <p:txBody>
+          <a:bodyPr>
+            <a:normAutofit fontScale="90000"/>
+          </a:bodyPr>
+          <a:lstStyle/>
+          <a:p>
+            <a:r>
+              <a:rPr lang="en-US" dirty="0"/>
+              <a:t>Structure Data Type as Input and Output Parameters</a:t>
+            </a:r>
+          </a:p>
+        </p:txBody>
+      </p:sp>
+      <p:sp>
+        <p:nvSpPr>
+          <p:cNvPr id="3" name="Content Placeholder 2"/>
+          <p:cNvSpPr>
+            <a:spLocks noGrp="1"/>
+          </p:cNvSpPr>
+          <p:nvPr>
+            <p:ph idx="1"/>
+          </p:nvPr>
+        </p:nvSpPr>
+        <p:spPr>
+          <a:xfrm>
+            <a:off x="457200" y="1905000"/>
+            <a:ext cx="8229600" cy="4221163"/>
+          </a:xfrm>
+        </p:spPr>
+        <p:txBody>
+          <a:bodyPr/>
+          <a:lstStyle/>
+          <a:p>
+            <a:r>
+              <a:rPr lang="en-US" dirty="0"/>
+              <a:t>indirect component selection operator</a:t>
+            </a:r>
+          </a:p>
+          <a:p>
+            <a:pPr lvl="1"/>
+            <a:r>
+              <a:rPr lang="en-US" dirty="0"/>
+              <a:t>the character sequence  -&gt;  placed between a pointer variable and a component name creates a reference that follows the pointer to a structure and selects the component</a:t>
+            </a:r>
+          </a:p>
+          <a:p>
+            <a:endParaRPr lang="en-US" dirty="0"/>
+          </a:p>
+        </p:txBody>
+      </p:sp>
+      <p:sp>
+        <p:nvSpPr>
+          <p:cNvPr id="4" name="Footer Placeholder 3"/>
+          <p:cNvSpPr>
+            <a:spLocks noGrp="1"/>
+          </p:cNvSpPr>
+          <p:nvPr>
+            <p:ph type="ftr" sz="quarter" idx="11"/>
+          </p:nvPr>
+        </p:nvSpPr>
+        <p:spPr/>
+        <p:txBody>
+          <a:bodyPr/>
+          <a:lstStyle/>
+          <a:p>
+            <a:r>
+              <a:rPr lang="en-US"/>
+              <a:t>© 2016 Pearson Education, Inc., Hoboken, NJ.  All rights reserved.</a:t>
+            </a:r>
+          </a:p>
+        </p:txBody>
+      </p:sp>
+      <p:sp>
+        <p:nvSpPr>
+          <p:cNvPr id="5" name="Slide Number Placeholder 4"/>
+          <p:cNvSpPr>
+            <a:spLocks noGrp="1"/>
+          </p:cNvSpPr>
+          <p:nvPr>
+            <p:ph type="sldNum" sz="quarter" idx="12"/>
+          </p:nvPr>
+        </p:nvSpPr>
+        <p:spPr/>
+        <p:txBody>
+          <a:bodyPr/>
+          <a:lstStyle/>
+          <a:p>
+            <a:fld id="{85A8DA42-601D-40A8-83CA-2F2CBDE5F9F0}" type="slidenum">
+              <a:rPr lang="en-US" smtClean="0"/>
+              <a:t>12</a:t>
+            </a:fld>
+            <a:endParaRPr lang="en-US"/>
+          </a:p>
+        </p:txBody>
+      </p:sp>
+    </p:spTree>
+    <p:extLst>
+      <p:ext uri="{BB962C8B-B14F-4D97-AF65-F5344CB8AC3E}">
+        <p14:creationId xmlns:p14="http://schemas.microsoft.com/office/powerpoint/2010/main" val="3293324425"/>
+      </p:ext>
+    </p:extLst>
+  </p:cSld>
+  <p:clrMapOvr>
+    <a:masterClrMapping/>
+  </p:clrMapOvr>
+</p:sld>
+</file>
+
 <file path=ppt/slides/slide13.xml><?xml version="1.0" encoding="utf-8"?>
 <p:sld xmlns:a="http://schemas.openxmlformats.org/drawingml/2006/main" xmlns:r="http://schemas.openxmlformats.org/officeDocument/2006/relationships" xmlns:p="http://schemas.openxmlformats.org/presentationml/2006/main">
   <p:cSld>
@@ -4184,68 +4151,7 @@
       </p:grpSpPr>
       <p:sp>
         <p:nvSpPr>
-          <p:cNvPr id="2" name="Title 1"/>
-          <p:cNvSpPr>
-            <a:spLocks noGrp="1"/>
-          </p:cNvSpPr>
-          <p:nvPr>
-            <p:ph type="title"/>
-          </p:nvPr>
-        </p:nvSpPr>
-        <p:spPr/>
-        <p:txBody>
-          <a:bodyPr>
-            <a:normAutofit fontScale="90000"/>
-          </a:bodyPr>
-          <a:lstStyle/>
-          <a:p>
-            <a:r>
-              <a:rPr lang="en-US" dirty="0"/>
-              <a:t>Structure Data Type as Input and Output Parameters</a:t>
-            </a:r>
-          </a:p>
-        </p:txBody>
-      </p:sp>
-      <p:sp>
-        <p:nvSpPr>
-          <p:cNvPr id="3" name="Content Placeholder 2"/>
-          <p:cNvSpPr>
-            <a:spLocks noGrp="1"/>
-          </p:cNvSpPr>
-          <p:nvPr>
-            <p:ph idx="1"/>
-          </p:nvPr>
-        </p:nvSpPr>
-        <p:spPr>
-          <a:xfrm>
-            <a:off x="457200" y="1905000"/>
-            <a:ext cx="8229600" cy="4221163"/>
-          </a:xfrm>
-        </p:spPr>
-        <p:txBody>
-          <a:bodyPr/>
-          <a:lstStyle/>
-          <a:p>
-            <a:r>
-              <a:rPr lang="en-US" dirty="0"/>
-              <a:t>indirect component selection operator</a:t>
-            </a:r>
-          </a:p>
-          <a:p>
-            <a:pPr lvl="1"/>
-            <a:r>
-              <a:rPr lang="en-US" dirty="0"/>
-              <a:t>the character sequence  -&gt;  placed between a pointer variable and a component name creates a reference that follows the pointer to a structure and selects the component</a:t>
-            </a:r>
-          </a:p>
-          <a:p>
-            <a:endParaRPr lang="en-US" dirty="0"/>
-          </a:p>
-        </p:txBody>
-      </p:sp>
-      <p:sp>
-        <p:nvSpPr>
-          <p:cNvPr id="4" name="Footer Placeholder 3"/>
+          <p:cNvPr id="2" name="Footer Placeholder 1"/>
           <p:cNvSpPr>
             <a:spLocks noGrp="1"/>
           </p:cNvSpPr>
@@ -4267,7 +4173,7 @@
       </p:sp>
       <p:sp>
         <p:nvSpPr>
-          <p:cNvPr id="5" name="Slide Number Placeholder 4"/>
+          <p:cNvPr id="3" name="Slide Number Placeholder 2"/>
           <p:cNvSpPr>
             <a:spLocks noGrp="1"/>
           </p:cNvSpPr>
@@ -4283,81 +4189,6 @@
             <a:fld id="{85A8DA42-601D-40A8-83CA-2F2CBDE5F9F0}" type="slidenum">
               <a:rPr lang="en-US" smtClean="0"/>
               <a:t>13</a:t>
-            </a:fld>
-            <a:endParaRPr lang="en-US"/>
-          </a:p>
-        </p:txBody>
-      </p:sp>
-    </p:spTree>
-    <p:extLst>
-      <p:ext uri="{BB962C8B-B14F-4D97-AF65-F5344CB8AC3E}">
-        <p14:creationId xmlns:p14="http://schemas.microsoft.com/office/powerpoint/2010/main" val="3293324425"/>
-      </p:ext>
-    </p:extLst>
-  </p:cSld>
-  <p:clrMapOvr>
-    <a:masterClrMapping/>
-  </p:clrMapOvr>
-</p:sld>
-</file>
-
-<file path=ppt/slides/slide14.xml><?xml version="1.0" encoding="utf-8"?>
-<p:sld xmlns:a="http://schemas.openxmlformats.org/drawingml/2006/main" xmlns:r="http://schemas.openxmlformats.org/officeDocument/2006/relationships" xmlns:p="http://schemas.openxmlformats.org/presentationml/2006/main">
-  <p:cSld>
-    <p:spTree>
-      <p:nvGrpSpPr>
-        <p:cNvPr id="1" name=""/>
-        <p:cNvGrpSpPr/>
-        <p:nvPr/>
-      </p:nvGrpSpPr>
-      <p:grpSpPr>
-        <a:xfrm>
-          <a:off x="0" y="0"/>
-          <a:ext cx="0" cy="0"/>
-          <a:chOff x="0" y="0"/>
-          <a:chExt cx="0" cy="0"/>
-        </a:xfrm>
-      </p:grpSpPr>
-      <p:sp>
-        <p:nvSpPr>
-          <p:cNvPr id="2" name="Footer Placeholder 1"/>
-          <p:cNvSpPr>
-            <a:spLocks noGrp="1"/>
-          </p:cNvSpPr>
-          <p:nvPr>
-            <p:ph type="ftr" sz="quarter" idx="11"/>
-          </p:nvPr>
-        </p:nvSpPr>
-        <p:spPr/>
-        <p:txBody>
-          <a:bodyPr/>
-          <a:lstStyle/>
-          <a:p>
-            <a:r>
-              <a:rPr lang="en-US"/>
-              <a:t>© 2016 Pearson Education, Inc., Hoboken, NJ.  All rights reserved.</a:t>
-            </a:r>
-          </a:p>
-        </p:txBody>
-      </p:sp>
-      <p:sp>
-        <p:nvSpPr>
-          <p:cNvPr id="3" name="Slide Number Placeholder 2"/>
-          <p:cNvSpPr>
-            <a:spLocks noGrp="1"/>
-          </p:cNvSpPr>
-          <p:nvPr>
-            <p:ph type="sldNum" sz="quarter" idx="12"/>
-          </p:nvPr>
-        </p:nvSpPr>
-        <p:spPr/>
-        <p:txBody>
-          <a:bodyPr/>
-          <a:lstStyle/>
-          <a:p>
-            <a:fld id="{85A8DA42-601D-40A8-83CA-2F2CBDE5F9F0}" type="slidenum">
-              <a:rPr lang="en-US" smtClean="0"/>
-              <a:t>14</a:t>
             </a:fld>
             <a:endParaRPr lang="en-US"/>
           </a:p>
@@ -4430,7 +4261,7 @@
 </p:sld>
 </file>
 
-<file path=ppt/slides/slide15.xml><?xml version="1.0" encoding="utf-8"?>
+<file path=ppt/slides/slide14.xml><?xml version="1.0" encoding="utf-8"?>
 <p:sld xmlns:a="http://schemas.openxmlformats.org/drawingml/2006/main" xmlns:r="http://schemas.openxmlformats.org/officeDocument/2006/relationships" xmlns:p="http://schemas.openxmlformats.org/presentationml/2006/main">
   <p:cSld>
     <p:spTree>
@@ -4486,7 +4317,7 @@
           <a:p>
             <a:fld id="{85A8DA42-601D-40A8-83CA-2F2CBDE5F9F0}" type="slidenum">
               <a:rPr lang="en-US" smtClean="0"/>
-              <a:t>15</a:t>
+              <a:t>14</a:t>
             </a:fld>
             <a:endParaRPr lang="en-US"/>
           </a:p>
@@ -4559,7 +4390,7 @@
 </p:sld>
 </file>
 
-<file path=ppt/slides/slide16.xml><?xml version="1.0" encoding="utf-8"?>
+<file path=ppt/slides/slide15.xml><?xml version="1.0" encoding="utf-8"?>
 <p:sld xmlns:a="http://schemas.openxmlformats.org/drawingml/2006/main" xmlns:r="http://schemas.openxmlformats.org/officeDocument/2006/relationships" xmlns:p="http://schemas.openxmlformats.org/presentationml/2006/main">
   <p:cSld>
     <p:spTree>
@@ -4615,7 +4446,7 @@
           <a:p>
             <a:fld id="{85A8DA42-601D-40A8-83CA-2F2CBDE5F9F0}" type="slidenum">
               <a:rPr lang="en-US" smtClean="0"/>
-              <a:t>16</a:t>
+              <a:t>15</a:t>
             </a:fld>
             <a:endParaRPr lang="en-US"/>
           </a:p>
@@ -4688,6 +4519,136 @@
 </p:sld>
 </file>
 
+<file path=ppt/slides/slide16.xml><?xml version="1.0" encoding="utf-8"?>
+<p:sld xmlns:a="http://schemas.openxmlformats.org/drawingml/2006/main" xmlns:r="http://schemas.openxmlformats.org/officeDocument/2006/relationships" xmlns:p="http://schemas.openxmlformats.org/presentationml/2006/main">
+  <p:cSld>
+    <p:spTree>
+      <p:nvGrpSpPr>
+        <p:cNvPr id="1" name=""/>
+        <p:cNvGrpSpPr/>
+        <p:nvPr/>
+      </p:nvGrpSpPr>
+      <p:grpSpPr>
+        <a:xfrm>
+          <a:off x="0" y="0"/>
+          <a:ext cx="0" cy="0"/>
+          <a:chOff x="0" y="0"/>
+          <a:chExt cx="0" cy="0"/>
+        </a:xfrm>
+      </p:grpSpPr>
+      <p:sp>
+        <p:nvSpPr>
+          <p:cNvPr id="2" name="Title 1"/>
+          <p:cNvSpPr>
+            <a:spLocks noGrp="1"/>
+          </p:cNvSpPr>
+          <p:nvPr>
+            <p:ph type="title"/>
+          </p:nvPr>
+        </p:nvSpPr>
+        <p:spPr/>
+        <p:txBody>
+          <a:bodyPr>
+            <a:normAutofit fontScale="90000"/>
+          </a:bodyPr>
+          <a:lstStyle/>
+          <a:p>
+            <a:r>
+              <a:rPr lang="en-US" dirty="0"/>
+              <a:t>Functions Whose Result Values are Structured</a:t>
+            </a:r>
+          </a:p>
+        </p:txBody>
+      </p:sp>
+      <p:sp>
+        <p:nvSpPr>
+          <p:cNvPr id="3" name="Content Placeholder 2"/>
+          <p:cNvSpPr>
+            <a:spLocks noGrp="1"/>
+          </p:cNvSpPr>
+          <p:nvPr>
+            <p:ph idx="1"/>
+          </p:nvPr>
+        </p:nvSpPr>
+        <p:spPr/>
+        <p:txBody>
+          <a:bodyPr/>
+          <a:lstStyle/>
+          <a:p>
+            <a:r>
+              <a:rPr lang="en-US" dirty="0"/>
+              <a:t>A function that computes a structured result can be modeled on a function computing a simple result.</a:t>
+            </a:r>
+          </a:p>
+          <a:p>
+            <a:endParaRPr lang="en-US" dirty="0"/>
+          </a:p>
+          <a:p>
+            <a:r>
+              <a:rPr lang="en-US" dirty="0"/>
+              <a:t>A local variable of the structure type can be allocated, fill with the desired data, and returned as the function result.</a:t>
+            </a:r>
+          </a:p>
+        </p:txBody>
+      </p:sp>
+      <p:sp>
+        <p:nvSpPr>
+          <p:cNvPr id="4" name="Footer Placeholder 3"/>
+          <p:cNvSpPr>
+            <a:spLocks noGrp="1"/>
+          </p:cNvSpPr>
+          <p:nvPr>
+            <p:ph type="ftr" sz="quarter" idx="11"/>
+          </p:nvPr>
+        </p:nvSpPr>
+        <p:spPr/>
+        <p:txBody>
+          <a:bodyPr/>
+          <a:lstStyle/>
+          <a:p>
+            <a:r>
+              <a:rPr lang="en-US"/>
+              <a:t>© 2016 Pearson Education, Inc., Hoboken, NJ.  All rights reserved.</a:t>
+            </a:r>
+          </a:p>
+        </p:txBody>
+      </p:sp>
+      <p:sp>
+        <p:nvSpPr>
+          <p:cNvPr id="5" name="Slide Number Placeholder 4"/>
+          <p:cNvSpPr>
+            <a:spLocks noGrp="1"/>
+          </p:cNvSpPr>
+          <p:nvPr>
+            <p:ph type="sldNum" sz="quarter" idx="12"/>
+          </p:nvPr>
+        </p:nvSpPr>
+        <p:spPr/>
+        <p:txBody>
+          <a:bodyPr/>
+          <a:lstStyle/>
+          <a:p>
+            <a:fld id="{85A8DA42-601D-40A8-83CA-2F2CBDE5F9F0}" type="slidenum">
+              <a:rPr lang="en-US" smtClean="0"/>
+              <a:t>16</a:t>
+            </a:fld>
+            <a:endParaRPr lang="en-US"/>
+          </a:p>
+        </p:txBody>
+      </p:sp>
+    </p:spTree>
+    <p:extLst>
+      <p:ext uri="{BB962C8B-B14F-4D97-AF65-F5344CB8AC3E}">
+        <p14:creationId xmlns:p14="http://schemas.microsoft.com/office/powerpoint/2010/main" val="55921658"/>
+      </p:ext>
+    </p:extLst>
+  </p:cSld>
+  <p:clrMapOvr>
+    <a:masterClrMapping/>
+  </p:clrMapOvr>
+</p:sld>
+</file>
+
 <file path=ppt/slides/slide17.xml><?xml version="1.0" encoding="utf-8"?>
 <p:sld xmlns:a="http://schemas.openxmlformats.org/drawingml/2006/main" xmlns:r="http://schemas.openxmlformats.org/officeDocument/2006/relationships" xmlns:p="http://schemas.openxmlformats.org/presentationml/2006/main">
   <p:cSld>
@@ -4746,7 +4707,15 @@
           <a:p>
             <a:r>
               <a:rPr lang="en-US" dirty="0"/>
-              <a:t>A function that computes a structured result can be modeled on a function computing a simple result.</a:t>
+              <a:t>The function does not return the </a:t>
+            </a:r>
+            <a:r>
+              <a:rPr lang="en-US" i="1" dirty="0"/>
+              <a:t>address</a:t>
+            </a:r>
+            <a:r>
+              <a:rPr lang="en-US" dirty="0"/>
+              <a:t> of the structure as it would with an array result.</a:t>
             </a:r>
           </a:p>
           <a:p>
@@ -4755,7 +4724,15 @@
           <a:p>
             <a:r>
               <a:rPr lang="en-US" dirty="0"/>
-              <a:t>A local variable of the structure type can be allocated, fill with the desired data, and returned as the function result.</a:t>
+              <a:t>Rather, it returns the </a:t>
+            </a:r>
+            <a:r>
+              <a:rPr lang="en-US" i="1" dirty="0"/>
+              <a:t>values</a:t>
+            </a:r>
+            <a:r>
+              <a:rPr lang="en-US" dirty="0"/>
+              <a:t> of all components.</a:t>
             </a:r>
           </a:p>
         </p:txBody>
@@ -4808,7 +4785,7 @@
     </p:spTree>
     <p:extLst>
       <p:ext uri="{BB962C8B-B14F-4D97-AF65-F5344CB8AC3E}">
-        <p14:creationId xmlns:p14="http://schemas.microsoft.com/office/powerpoint/2010/main" val="55921658"/>
+        <p14:creationId xmlns:p14="http://schemas.microsoft.com/office/powerpoint/2010/main" val="4034350146"/>
       </p:ext>
     </p:extLst>
   </p:cSld>
@@ -4837,78 +4814,7 @@
       </p:grpSpPr>
       <p:sp>
         <p:nvSpPr>
-          <p:cNvPr id="2" name="Title 1"/>
-          <p:cNvSpPr>
-            <a:spLocks noGrp="1"/>
-          </p:cNvSpPr>
-          <p:nvPr>
-            <p:ph type="title"/>
-          </p:nvPr>
-        </p:nvSpPr>
-        <p:spPr/>
-        <p:txBody>
-          <a:bodyPr>
-            <a:normAutofit fontScale="90000"/>
-          </a:bodyPr>
-          <a:lstStyle/>
-          <a:p>
-            <a:r>
-              <a:rPr lang="en-US" dirty="0"/>
-              <a:t>Functions Whose Result Values are Structured</a:t>
-            </a:r>
-          </a:p>
-        </p:txBody>
-      </p:sp>
-      <p:sp>
-        <p:nvSpPr>
-          <p:cNvPr id="3" name="Content Placeholder 2"/>
-          <p:cNvSpPr>
-            <a:spLocks noGrp="1"/>
-          </p:cNvSpPr>
-          <p:nvPr>
-            <p:ph idx="1"/>
-          </p:nvPr>
-        </p:nvSpPr>
-        <p:spPr/>
-        <p:txBody>
-          <a:bodyPr/>
-          <a:lstStyle/>
-          <a:p>
-            <a:r>
-              <a:rPr lang="en-US" dirty="0"/>
-              <a:t>The function does not return the </a:t>
-            </a:r>
-            <a:r>
-              <a:rPr lang="en-US" i="1" dirty="0"/>
-              <a:t>address</a:t>
-            </a:r>
-            <a:r>
-              <a:rPr lang="en-US" dirty="0"/>
-              <a:t> of the structure as it would with an array result.</a:t>
-            </a:r>
-          </a:p>
-          <a:p>
-            <a:endParaRPr lang="en-US" dirty="0"/>
-          </a:p>
-          <a:p>
-            <a:r>
-              <a:rPr lang="en-US" dirty="0"/>
-              <a:t>Rather, it returns the </a:t>
-            </a:r>
-            <a:r>
-              <a:rPr lang="en-US" i="1" dirty="0"/>
-              <a:t>values</a:t>
-            </a:r>
-            <a:r>
-              <a:rPr lang="en-US" dirty="0"/>
-              <a:t> of all components.</a:t>
-            </a:r>
-          </a:p>
-        </p:txBody>
-      </p:sp>
-      <p:sp>
-        <p:nvSpPr>
-          <p:cNvPr id="4" name="Footer Placeholder 3"/>
+          <p:cNvPr id="2" name="Footer Placeholder 1"/>
           <p:cNvSpPr>
             <a:spLocks noGrp="1"/>
           </p:cNvSpPr>
@@ -4930,7 +4836,7 @@
       </p:sp>
       <p:sp>
         <p:nvSpPr>
-          <p:cNvPr id="5" name="Slide Number Placeholder 4"/>
+          <p:cNvPr id="3" name="Slide Number Placeholder 2"/>
           <p:cNvSpPr>
             <a:spLocks noGrp="1"/>
           </p:cNvSpPr>
@@ -4946,81 +4852,6 @@
             <a:fld id="{85A8DA42-601D-40A8-83CA-2F2CBDE5F9F0}" type="slidenum">
               <a:rPr lang="en-US" smtClean="0"/>
               <a:t>18</a:t>
-            </a:fld>
-            <a:endParaRPr lang="en-US"/>
-          </a:p>
-        </p:txBody>
-      </p:sp>
-    </p:spTree>
-    <p:extLst>
-      <p:ext uri="{BB962C8B-B14F-4D97-AF65-F5344CB8AC3E}">
-        <p14:creationId xmlns:p14="http://schemas.microsoft.com/office/powerpoint/2010/main" val="4034350146"/>
-      </p:ext>
-    </p:extLst>
-  </p:cSld>
-  <p:clrMapOvr>
-    <a:masterClrMapping/>
-  </p:clrMapOvr>
-</p:sld>
-</file>
-
-<file path=ppt/slides/slide19.xml><?xml version="1.0" encoding="utf-8"?>
-<p:sld xmlns:a="http://schemas.openxmlformats.org/drawingml/2006/main" xmlns:r="http://schemas.openxmlformats.org/officeDocument/2006/relationships" xmlns:p="http://schemas.openxmlformats.org/presentationml/2006/main">
-  <p:cSld>
-    <p:spTree>
-      <p:nvGrpSpPr>
-        <p:cNvPr id="1" name=""/>
-        <p:cNvGrpSpPr/>
-        <p:nvPr/>
-      </p:nvGrpSpPr>
-      <p:grpSpPr>
-        <a:xfrm>
-          <a:off x="0" y="0"/>
-          <a:ext cx="0" cy="0"/>
-          <a:chOff x="0" y="0"/>
-          <a:chExt cx="0" cy="0"/>
-        </a:xfrm>
-      </p:grpSpPr>
-      <p:sp>
-        <p:nvSpPr>
-          <p:cNvPr id="2" name="Footer Placeholder 1"/>
-          <p:cNvSpPr>
-            <a:spLocks noGrp="1"/>
-          </p:cNvSpPr>
-          <p:nvPr>
-            <p:ph type="ftr" sz="quarter" idx="11"/>
-          </p:nvPr>
-        </p:nvSpPr>
-        <p:spPr/>
-        <p:txBody>
-          <a:bodyPr/>
-          <a:lstStyle/>
-          <a:p>
-            <a:r>
-              <a:rPr lang="en-US"/>
-              <a:t>© 2016 Pearson Education, Inc., Hoboken, NJ.  All rights reserved.</a:t>
-            </a:r>
-          </a:p>
-        </p:txBody>
-      </p:sp>
-      <p:sp>
-        <p:nvSpPr>
-          <p:cNvPr id="3" name="Slide Number Placeholder 2"/>
-          <p:cNvSpPr>
-            <a:spLocks noGrp="1"/>
-          </p:cNvSpPr>
-          <p:nvPr>
-            <p:ph type="sldNum" sz="quarter" idx="12"/>
-          </p:nvPr>
-        </p:nvSpPr>
-        <p:spPr/>
-        <p:txBody>
-          <a:bodyPr/>
-          <a:lstStyle/>
-          <a:p>
-            <a:fld id="{85A8DA42-601D-40A8-83CA-2F2CBDE5F9F0}" type="slidenum">
-              <a:rPr lang="en-US" smtClean="0"/>
-              <a:t>19</a:t>
             </a:fld>
             <a:endParaRPr lang="en-US"/>
           </a:p>
@@ -5093,7 +4924,7 @@
 </p:sld>
 </file>
 
-<file path=ppt/slides/slide2.xml><?xml version="1.0" encoding="utf-8"?>
+<file path=ppt/slides/slide19.xml><?xml version="1.0" encoding="utf-8"?>
 <p:sld xmlns:a="http://schemas.openxmlformats.org/drawingml/2006/main" xmlns:r="http://schemas.openxmlformats.org/officeDocument/2006/relationships" xmlns:p="http://schemas.openxmlformats.org/presentationml/2006/main">
   <p:cSld>
     <p:spTree>
@@ -5112,143 +4943,7 @@
       </p:grpSpPr>
       <p:sp>
         <p:nvSpPr>
-          <p:cNvPr id="2" name="Title 1"/>
-          <p:cNvSpPr>
-            <a:spLocks noGrp="1"/>
-          </p:cNvSpPr>
-          <p:nvPr>
-            <p:ph type="title"/>
-          </p:nvPr>
-        </p:nvSpPr>
-        <p:spPr/>
-        <p:txBody>
-          <a:bodyPr/>
-          <a:lstStyle/>
-          <a:p>
-            <a:r>
-              <a:rPr lang="en-US" dirty="0"/>
-              <a:t>Chapter Objectives</a:t>
-            </a:r>
-          </a:p>
-        </p:txBody>
-      </p:sp>
-      <p:sp>
-        <p:nvSpPr>
-          <p:cNvPr id="3" name="Content Placeholder 2"/>
-          <p:cNvSpPr>
-            <a:spLocks noGrp="1"/>
-          </p:cNvSpPr>
-          <p:nvPr>
-            <p:ph idx="1"/>
-          </p:nvPr>
-        </p:nvSpPr>
-        <p:spPr/>
-        <p:txBody>
-          <a:bodyPr>
-            <a:normAutofit fontScale="92500" lnSpcReduction="20000"/>
-          </a:bodyPr>
-          <a:lstStyle/>
-          <a:p>
-            <a:r>
-              <a:rPr lang="en-US" dirty="0"/>
-              <a:t>To learn how to declare a </a:t>
-            </a:r>
-            <a:r>
-              <a:rPr lang="en-US" dirty="0" err="1">
-                <a:solidFill>
-                  <a:srgbClr val="7030A0"/>
-                </a:solidFill>
-                <a:latin typeface="Cambria" panose="02040503050406030204" pitchFamily="18" charset="0"/>
-              </a:rPr>
-              <a:t>struct</a:t>
-            </a:r>
-            <a:r>
-              <a:rPr lang="en-US" dirty="0">
-                <a:solidFill>
-                  <a:srgbClr val="7030A0"/>
-                </a:solidFill>
-              </a:rPr>
-              <a:t> </a:t>
-            </a:r>
-            <a:r>
-              <a:rPr lang="en-US" dirty="0"/>
-              <a:t>data type which consists of several data fields, each with its own name and data type</a:t>
-            </a:r>
-          </a:p>
-          <a:p>
-            <a:r>
-              <a:rPr lang="en-US" dirty="0"/>
-              <a:t>To understand how to use a </a:t>
-            </a:r>
-            <a:r>
-              <a:rPr lang="en-US" dirty="0" err="1">
-                <a:solidFill>
-                  <a:srgbClr val="7030A0"/>
-                </a:solidFill>
-                <a:latin typeface="Cambria" panose="02040503050406030204" pitchFamily="18" charset="0"/>
-              </a:rPr>
-              <a:t>struct</a:t>
-            </a:r>
-            <a:r>
-              <a:rPr lang="en-US" dirty="0">
-                <a:solidFill>
-                  <a:srgbClr val="7030A0"/>
-                </a:solidFill>
-              </a:rPr>
-              <a:t> </a:t>
-            </a:r>
-            <a:r>
-              <a:rPr lang="en-US" dirty="0"/>
-              <a:t>to store data for a structured object or record</a:t>
-            </a:r>
-          </a:p>
-          <a:p>
-            <a:r>
-              <a:rPr lang="en-US" dirty="0"/>
-              <a:t>To learn how to use dot notation to process individual fields of a structured object</a:t>
-            </a:r>
-          </a:p>
-          <a:p>
-            <a:r>
-              <a:rPr lang="en-US" dirty="0"/>
-              <a:t>To learn how to use </a:t>
-            </a:r>
-            <a:r>
-              <a:rPr lang="en-US" dirty="0">
-                <a:solidFill>
-                  <a:srgbClr val="7030A0"/>
-                </a:solidFill>
-                <a:latin typeface="Cambria" panose="02040503050406030204" pitchFamily="18" charset="0"/>
-              </a:rPr>
-              <a:t>structs</a:t>
-            </a:r>
-            <a:r>
-              <a:rPr lang="en-US" dirty="0">
-                <a:solidFill>
-                  <a:srgbClr val="7030A0"/>
-                </a:solidFill>
-              </a:rPr>
-              <a:t> </a:t>
-            </a:r>
-            <a:r>
-              <a:rPr lang="en-US" dirty="0"/>
-              <a:t>as function parameters and to return function results</a:t>
-            </a:r>
-          </a:p>
-          <a:p>
-            <a:r>
-              <a:rPr lang="en-US" dirty="0"/>
-              <a:t>To understand the relationship between parallel arrays and arrays of structured objects</a:t>
-            </a:r>
-          </a:p>
-          <a:p>
-            <a:endParaRPr lang="en-US" dirty="0"/>
-          </a:p>
-        </p:txBody>
-      </p:sp>
-      <p:sp>
-        <p:nvSpPr>
-          <p:cNvPr id="4" name="Footer Placeholder 3"/>
+          <p:cNvPr id="2" name="Footer Placeholder 1"/>
           <p:cNvSpPr>
             <a:spLocks noGrp="1"/>
           </p:cNvSpPr>
@@ -5270,7 +4965,7 @@
       </p:sp>
       <p:sp>
         <p:nvSpPr>
-          <p:cNvPr id="5" name="Slide Number Placeholder 4"/>
+          <p:cNvPr id="3" name="Slide Number Placeholder 2"/>
           <p:cNvSpPr>
             <a:spLocks noGrp="1"/>
           </p:cNvSpPr>
@@ -5285,82 +4980,7 @@
           <a:p>
             <a:fld id="{85A8DA42-601D-40A8-83CA-2F2CBDE5F9F0}" type="slidenum">
               <a:rPr lang="en-US" smtClean="0"/>
-              <a:t>2</a:t>
-            </a:fld>
-            <a:endParaRPr lang="en-US"/>
-          </a:p>
-        </p:txBody>
-      </p:sp>
-    </p:spTree>
-    <p:extLst>
-      <p:ext uri="{BB962C8B-B14F-4D97-AF65-F5344CB8AC3E}">
-        <p14:creationId xmlns:p14="http://schemas.microsoft.com/office/powerpoint/2010/main" val="2944743484"/>
-      </p:ext>
-    </p:extLst>
-  </p:cSld>
-  <p:clrMapOvr>
-    <a:masterClrMapping/>
-  </p:clrMapOvr>
-</p:sld>
-</file>
-
-<file path=ppt/slides/slide20.xml><?xml version="1.0" encoding="utf-8"?>
-<p:sld xmlns:a="http://schemas.openxmlformats.org/drawingml/2006/main" xmlns:r="http://schemas.openxmlformats.org/officeDocument/2006/relationships" xmlns:p="http://schemas.openxmlformats.org/presentationml/2006/main">
-  <p:cSld>
-    <p:spTree>
-      <p:nvGrpSpPr>
-        <p:cNvPr id="1" name=""/>
-        <p:cNvGrpSpPr/>
-        <p:nvPr/>
-      </p:nvGrpSpPr>
-      <p:grpSpPr>
-        <a:xfrm>
-          <a:off x="0" y="0"/>
-          <a:ext cx="0" cy="0"/>
-          <a:chOff x="0" y="0"/>
-          <a:chExt cx="0" cy="0"/>
-        </a:xfrm>
-      </p:grpSpPr>
-      <p:sp>
-        <p:nvSpPr>
-          <p:cNvPr id="2" name="Footer Placeholder 1"/>
-          <p:cNvSpPr>
-            <a:spLocks noGrp="1"/>
-          </p:cNvSpPr>
-          <p:nvPr>
-            <p:ph type="ftr" sz="quarter" idx="11"/>
-          </p:nvPr>
-        </p:nvSpPr>
-        <p:spPr/>
-        <p:txBody>
-          <a:bodyPr/>
-          <a:lstStyle/>
-          <a:p>
-            <a:r>
-              <a:rPr lang="en-US"/>
-              <a:t>© 2016 Pearson Education, Inc., Hoboken, NJ.  All rights reserved.</a:t>
-            </a:r>
-          </a:p>
-        </p:txBody>
-      </p:sp>
-      <p:sp>
-        <p:nvSpPr>
-          <p:cNvPr id="3" name="Slide Number Placeholder 2"/>
-          <p:cNvSpPr>
-            <a:spLocks noGrp="1"/>
-          </p:cNvSpPr>
-          <p:nvPr>
-            <p:ph type="sldNum" sz="quarter" idx="12"/>
-          </p:nvPr>
-        </p:nvSpPr>
-        <p:spPr/>
-        <p:txBody>
-          <a:bodyPr/>
-          <a:lstStyle/>
-          <a:p>
-            <a:fld id="{85A8DA42-601D-40A8-83CA-2F2CBDE5F9F0}" type="slidenum">
-              <a:rPr lang="en-US" smtClean="0"/>
-              <a:t>20</a:t>
+              <a:t>19</a:t>
             </a:fld>
             <a:endParaRPr lang="en-US"/>
           </a:p>
@@ -5433,7 +5053,7 @@
 </p:sld>
 </file>
 
-<file path=ppt/slides/slide21.xml><?xml version="1.0" encoding="utf-8"?>
+<file path=ppt/slides/slide2.xml><?xml version="1.0" encoding="utf-8"?>
 <p:sld xmlns:a="http://schemas.openxmlformats.org/drawingml/2006/main" xmlns:r="http://schemas.openxmlformats.org/officeDocument/2006/relationships" xmlns:p="http://schemas.openxmlformats.org/presentationml/2006/main">
   <p:cSld>
     <p:spTree>
@@ -5452,7 +5072,143 @@
       </p:grpSpPr>
       <p:sp>
         <p:nvSpPr>
-          <p:cNvPr id="2" name="Footer Placeholder 1"/>
+          <p:cNvPr id="2" name="Title 1"/>
+          <p:cNvSpPr>
+            <a:spLocks noGrp="1"/>
+          </p:cNvSpPr>
+          <p:nvPr>
+            <p:ph type="title"/>
+          </p:nvPr>
+        </p:nvSpPr>
+        <p:spPr/>
+        <p:txBody>
+          <a:bodyPr/>
+          <a:lstStyle/>
+          <a:p>
+            <a:r>
+              <a:rPr lang="en-US" dirty="0"/>
+              <a:t>Chapter Objectives</a:t>
+            </a:r>
+          </a:p>
+        </p:txBody>
+      </p:sp>
+      <p:sp>
+        <p:nvSpPr>
+          <p:cNvPr id="3" name="Content Placeholder 2"/>
+          <p:cNvSpPr>
+            <a:spLocks noGrp="1"/>
+          </p:cNvSpPr>
+          <p:nvPr>
+            <p:ph idx="1"/>
+          </p:nvPr>
+        </p:nvSpPr>
+        <p:spPr/>
+        <p:txBody>
+          <a:bodyPr>
+            <a:normAutofit fontScale="92500" lnSpcReduction="20000"/>
+          </a:bodyPr>
+          <a:lstStyle/>
+          <a:p>
+            <a:r>
+              <a:rPr lang="en-US" dirty="0"/>
+              <a:t>To learn how to declare a </a:t>
+            </a:r>
+            <a:r>
+              <a:rPr lang="en-US" dirty="0" err="1">
+                <a:solidFill>
+                  <a:srgbClr val="7030A0"/>
+                </a:solidFill>
+                <a:latin typeface="Cambria" panose="02040503050406030204" pitchFamily="18" charset="0"/>
+              </a:rPr>
+              <a:t>struct</a:t>
+            </a:r>
+            <a:r>
+              <a:rPr lang="en-US" dirty="0">
+                <a:solidFill>
+                  <a:srgbClr val="7030A0"/>
+                </a:solidFill>
+              </a:rPr>
+              <a:t> </a:t>
+            </a:r>
+            <a:r>
+              <a:rPr lang="en-US" dirty="0"/>
+              <a:t>data type which consists of several data fields, each with its own name and data type</a:t>
+            </a:r>
+          </a:p>
+          <a:p>
+            <a:r>
+              <a:rPr lang="en-US" dirty="0"/>
+              <a:t>To understand how to use a </a:t>
+            </a:r>
+            <a:r>
+              <a:rPr lang="en-US" dirty="0" err="1">
+                <a:solidFill>
+                  <a:srgbClr val="7030A0"/>
+                </a:solidFill>
+                <a:latin typeface="Cambria" panose="02040503050406030204" pitchFamily="18" charset="0"/>
+              </a:rPr>
+              <a:t>struct</a:t>
+            </a:r>
+            <a:r>
+              <a:rPr lang="en-US" dirty="0">
+                <a:solidFill>
+                  <a:srgbClr val="7030A0"/>
+                </a:solidFill>
+              </a:rPr>
+              <a:t> </a:t>
+            </a:r>
+            <a:r>
+              <a:rPr lang="en-US" dirty="0"/>
+              <a:t>to store data for a structured object or record</a:t>
+            </a:r>
+          </a:p>
+          <a:p>
+            <a:r>
+              <a:rPr lang="en-US" dirty="0"/>
+              <a:t>To learn how to use dot notation to process individual fields of a structured object</a:t>
+            </a:r>
+          </a:p>
+          <a:p>
+            <a:r>
+              <a:rPr lang="en-US" dirty="0"/>
+              <a:t>To learn how to use </a:t>
+            </a:r>
+            <a:r>
+              <a:rPr lang="en-US" dirty="0">
+                <a:solidFill>
+                  <a:srgbClr val="7030A0"/>
+                </a:solidFill>
+                <a:latin typeface="Cambria" panose="02040503050406030204" pitchFamily="18" charset="0"/>
+              </a:rPr>
+              <a:t>structs</a:t>
+            </a:r>
+            <a:r>
+              <a:rPr lang="en-US" dirty="0">
+                <a:solidFill>
+                  <a:srgbClr val="7030A0"/>
+                </a:solidFill>
+              </a:rPr>
+              <a:t> </a:t>
+            </a:r>
+            <a:r>
+              <a:rPr lang="en-US" dirty="0"/>
+              <a:t>as function parameters and to return function results</a:t>
+            </a:r>
+          </a:p>
+          <a:p>
+            <a:r>
+              <a:rPr lang="en-US" dirty="0"/>
+              <a:t>To understand the relationship between parallel arrays and arrays of structured objects</a:t>
+            </a:r>
+          </a:p>
+          <a:p>
+            <a:endParaRPr lang="en-US" dirty="0"/>
+          </a:p>
+        </p:txBody>
+      </p:sp>
+      <p:sp>
+        <p:nvSpPr>
+          <p:cNvPr id="4" name="Footer Placeholder 3"/>
           <p:cNvSpPr>
             <a:spLocks noGrp="1"/>
           </p:cNvSpPr>
@@ -5474,7 +5230,7 @@
       </p:sp>
       <p:sp>
         <p:nvSpPr>
-          <p:cNvPr id="3" name="Slide Number Placeholder 2"/>
+          <p:cNvPr id="5" name="Slide Number Placeholder 4"/>
           <p:cNvSpPr>
             <a:spLocks noGrp="1"/>
           </p:cNvSpPr>
@@ -5489,7 +5245,82 @@
           <a:p>
             <a:fld id="{85A8DA42-601D-40A8-83CA-2F2CBDE5F9F0}" type="slidenum">
               <a:rPr lang="en-US" smtClean="0"/>
-              <a:t>21</a:t>
+              <a:t>2</a:t>
+            </a:fld>
+            <a:endParaRPr lang="en-US"/>
+          </a:p>
+        </p:txBody>
+      </p:sp>
+    </p:spTree>
+    <p:extLst>
+      <p:ext uri="{BB962C8B-B14F-4D97-AF65-F5344CB8AC3E}">
+        <p14:creationId xmlns:p14="http://schemas.microsoft.com/office/powerpoint/2010/main" val="2944743484"/>
+      </p:ext>
+    </p:extLst>
+  </p:cSld>
+  <p:clrMapOvr>
+    <a:masterClrMapping/>
+  </p:clrMapOvr>
+</p:sld>
+</file>
+
+<file path=ppt/slides/slide20.xml><?xml version="1.0" encoding="utf-8"?>
+<p:sld xmlns:a="http://schemas.openxmlformats.org/drawingml/2006/main" xmlns:r="http://schemas.openxmlformats.org/officeDocument/2006/relationships" xmlns:p="http://schemas.openxmlformats.org/presentationml/2006/main">
+  <p:cSld>
+    <p:spTree>
+      <p:nvGrpSpPr>
+        <p:cNvPr id="1" name=""/>
+        <p:cNvGrpSpPr/>
+        <p:nvPr/>
+      </p:nvGrpSpPr>
+      <p:grpSpPr>
+        <a:xfrm>
+          <a:off x="0" y="0"/>
+          <a:ext cx="0" cy="0"/>
+          <a:chOff x="0" y="0"/>
+          <a:chExt cx="0" cy="0"/>
+        </a:xfrm>
+      </p:grpSpPr>
+      <p:sp>
+        <p:nvSpPr>
+          <p:cNvPr id="2" name="Footer Placeholder 1"/>
+          <p:cNvSpPr>
+            <a:spLocks noGrp="1"/>
+          </p:cNvSpPr>
+          <p:nvPr>
+            <p:ph type="ftr" sz="quarter" idx="11"/>
+          </p:nvPr>
+        </p:nvSpPr>
+        <p:spPr/>
+        <p:txBody>
+          <a:bodyPr/>
+          <a:lstStyle/>
+          <a:p>
+            <a:r>
+              <a:rPr lang="en-US"/>
+              <a:t>© 2016 Pearson Education, Inc., Hoboken, NJ.  All rights reserved.</a:t>
+            </a:r>
+          </a:p>
+        </p:txBody>
+      </p:sp>
+      <p:sp>
+        <p:nvSpPr>
+          <p:cNvPr id="3" name="Slide Number Placeholder 2"/>
+          <p:cNvSpPr>
+            <a:spLocks noGrp="1"/>
+          </p:cNvSpPr>
+          <p:nvPr>
+            <p:ph type="sldNum" sz="quarter" idx="12"/>
+          </p:nvPr>
+        </p:nvSpPr>
+        <p:spPr/>
+        <p:txBody>
+          <a:bodyPr/>
+          <a:lstStyle/>
+          <a:p>
+            <a:fld id="{85A8DA42-601D-40A8-83CA-2F2CBDE5F9F0}" type="slidenum">
+              <a:rPr lang="en-US" smtClean="0"/>
+              <a:t>20</a:t>
             </a:fld>
             <a:endParaRPr lang="en-US"/>
           </a:p>
@@ -5562,7 +5393,7 @@
 </p:sld>
 </file>
 
-<file path=ppt/slides/slide22.xml><?xml version="1.0" encoding="utf-8"?>
+<file path=ppt/slides/slide21.xml><?xml version="1.0" encoding="utf-8"?>
 <p:sld xmlns:a="http://schemas.openxmlformats.org/drawingml/2006/main" xmlns:r="http://schemas.openxmlformats.org/officeDocument/2006/relationships" xmlns:p="http://schemas.openxmlformats.org/presentationml/2006/main">
   <p:cSld>
     <p:spTree>
@@ -5676,7 +5507,7 @@
           <a:p>
             <a:fld id="{85A8DA42-601D-40A8-83CA-2F2CBDE5F9F0}" type="slidenum">
               <a:rPr lang="en-US" smtClean="0"/>
-              <a:t>22</a:t>
+              <a:t>21</a:t>
             </a:fld>
             <a:endParaRPr lang="en-US"/>
           </a:p>
@@ -5803,6 +5634,273 @@
 </p:sld>
 </file>
 
+<file path=ppt/slides/slide22.xml><?xml version="1.0" encoding="utf-8"?>
+<p:sld xmlns:a="http://schemas.openxmlformats.org/drawingml/2006/main" xmlns:r="http://schemas.openxmlformats.org/officeDocument/2006/relationships" xmlns:p="http://schemas.openxmlformats.org/presentationml/2006/main">
+  <p:cSld>
+    <p:spTree>
+      <p:nvGrpSpPr>
+        <p:cNvPr id="1" name=""/>
+        <p:cNvGrpSpPr/>
+        <p:nvPr/>
+      </p:nvGrpSpPr>
+      <p:grpSpPr>
+        <a:xfrm>
+          <a:off x="0" y="0"/>
+          <a:ext cx="0" cy="0"/>
+          <a:chOff x="0" y="0"/>
+          <a:chExt cx="0" cy="0"/>
+        </a:xfrm>
+      </p:grpSpPr>
+      <p:sp>
+        <p:nvSpPr>
+          <p:cNvPr id="2" name="Title 1">
+            <a:extLst>
+              <a:ext uri="{FF2B5EF4-FFF2-40B4-BE49-F238E27FC236}">
+                <a16:creationId xmlns:a16="http://schemas.microsoft.com/office/drawing/2014/main" id="{A0AD9619-ACDB-9847-9414-8D331518AA37}"/>
+              </a:ext>
+            </a:extLst>
+          </p:cNvPr>
+          <p:cNvSpPr>
+            <a:spLocks noGrp="1"/>
+          </p:cNvSpPr>
+          <p:nvPr>
+            <p:ph type="title"/>
+          </p:nvPr>
+        </p:nvSpPr>
+        <p:spPr/>
+        <p:txBody>
+          <a:bodyPr>
+            <a:normAutofit/>
+          </a:bodyPr>
+          <a:lstStyle/>
+          <a:p>
+            <a:r>
+              <a:rPr lang="en-US" dirty="0"/>
+              <a:t>Header files: defining the interface</a:t>
+            </a:r>
+          </a:p>
+        </p:txBody>
+      </p:sp>
+      <p:sp>
+        <p:nvSpPr>
+          <p:cNvPr id="3" name="Content Placeholder 2">
+            <a:extLst>
+              <a:ext uri="{FF2B5EF4-FFF2-40B4-BE49-F238E27FC236}">
+                <a16:creationId xmlns:a16="http://schemas.microsoft.com/office/drawing/2014/main" id="{CE07B50E-8174-9546-9088-E584C0B94BC6}"/>
+              </a:ext>
+            </a:extLst>
+          </p:cNvPr>
+          <p:cNvSpPr>
+            <a:spLocks noGrp="1"/>
+          </p:cNvSpPr>
+          <p:nvPr>
+            <p:ph idx="1"/>
+          </p:nvPr>
+        </p:nvSpPr>
+        <p:spPr/>
+        <p:txBody>
+          <a:bodyPr>
+            <a:normAutofit fontScale="85000" lnSpcReduction="20000"/>
+          </a:bodyPr>
+          <a:lstStyle/>
+          <a:p>
+            <a:pPr marL="0" indent="0">
+              <a:buNone/>
+            </a:pPr>
+            <a:r>
+              <a:rPr lang="en-US" dirty="0">
+                <a:ea typeface="+mn-lt"/>
+                <a:cs typeface="+mn-lt"/>
+              </a:rPr>
+              <a:t>#include&lt;</a:t>
+            </a:r>
+            <a:r>
+              <a:rPr lang="en-US" dirty="0" err="1">
+                <a:ea typeface="+mn-lt"/>
+                <a:cs typeface="+mn-lt"/>
+              </a:rPr>
+              <a:t>stdio.h</a:t>
+            </a:r>
+            <a:r>
+              <a:rPr lang="en-US" dirty="0">
+                <a:ea typeface="+mn-lt"/>
+                <a:cs typeface="+mn-lt"/>
+              </a:rPr>
+              <a:t>&gt;</a:t>
+            </a:r>
+          </a:p>
+          <a:p>
+            <a:pPr marL="0" indent="0">
+              <a:buNone/>
+            </a:pPr>
+            <a:r>
+              <a:rPr lang="en-US" dirty="0">
+                <a:cs typeface="Calibri"/>
+              </a:rPr>
+              <a:t>versus</a:t>
+            </a:r>
+          </a:p>
+          <a:p>
+            <a:pPr marL="0" indent="0">
+              <a:buNone/>
+            </a:pPr>
+            <a:r>
+              <a:rPr lang="en-US" dirty="0">
+                <a:cs typeface="Calibri"/>
+              </a:rPr>
+              <a:t>#</a:t>
+            </a:r>
+            <a:r>
+              <a:rPr lang="en-US" dirty="0" err="1">
+                <a:cs typeface="Calibri"/>
+              </a:rPr>
+              <a:t>include"class.h</a:t>
+            </a:r>
+            <a:r>
+              <a:rPr lang="en-US" dirty="0">
+                <a:cs typeface="Calibri"/>
+              </a:rPr>
+              <a:t>"</a:t>
+            </a:r>
+          </a:p>
+          <a:p>
+            <a:pPr marL="0" indent="0">
+              <a:buNone/>
+            </a:pPr>
+            <a:endParaRPr lang="en-US" dirty="0">
+              <a:cs typeface="Calibri"/>
+            </a:endParaRPr>
+          </a:p>
+          <a:p>
+            <a:r>
+              <a:rPr lang="en-US" dirty="0">
+                <a:cs typeface="Calibri"/>
+              </a:rPr>
+              <a:t>Angle brackets versus quotes tells compiler where to look for the file</a:t>
+            </a:r>
+          </a:p>
+          <a:p>
+            <a:r>
+              <a:rPr lang="en-US" dirty="0">
+                <a:cs typeface="Calibri"/>
+              </a:rPr>
+              <a:t>Gets copied in by preprocessor and then compiled in the .c file</a:t>
+            </a:r>
+          </a:p>
+          <a:p>
+            <a:r>
+              <a:rPr lang="en-US" dirty="0">
+                <a:cs typeface="Calibri"/>
+              </a:rPr>
+              <a:t>A .h file is never in the compile command</a:t>
+            </a:r>
+          </a:p>
+          <a:p>
+            <a:pPr marL="0" indent="0">
+              <a:buNone/>
+            </a:pPr>
+            <a:endParaRPr lang="en-US" dirty="0">
+              <a:cs typeface="Calibri"/>
+            </a:endParaRPr>
+          </a:p>
+          <a:p>
+            <a:pPr marL="0" indent="0">
+              <a:buNone/>
+            </a:pPr>
+            <a:r>
+              <a:rPr lang="en-US" dirty="0" err="1">
+                <a:cs typeface="Calibri"/>
+              </a:rPr>
+              <a:t>gcc</a:t>
+            </a:r>
+            <a:r>
+              <a:rPr lang="en-US" dirty="0">
+                <a:cs typeface="Calibri"/>
+              </a:rPr>
+              <a:t> –o exe –Wall </a:t>
+            </a:r>
+            <a:r>
+              <a:rPr lang="en-US" dirty="0" err="1">
+                <a:cs typeface="Calibri"/>
+              </a:rPr>
+              <a:t>program.c</a:t>
+            </a:r>
+            <a:endParaRPr lang="en-US" dirty="0">
+              <a:cs typeface="Calibri"/>
+            </a:endParaRPr>
+          </a:p>
+        </p:txBody>
+      </p:sp>
+      <p:sp>
+        <p:nvSpPr>
+          <p:cNvPr id="4" name="Footer Placeholder 3">
+            <a:extLst>
+              <a:ext uri="{FF2B5EF4-FFF2-40B4-BE49-F238E27FC236}">
+                <a16:creationId xmlns:a16="http://schemas.microsoft.com/office/drawing/2014/main" id="{C5B652D8-2345-244F-9508-4A4FC30CAFC7}"/>
+              </a:ext>
+            </a:extLst>
+          </p:cNvPr>
+          <p:cNvSpPr>
+            <a:spLocks noGrp="1"/>
+          </p:cNvSpPr>
+          <p:nvPr>
+            <p:ph type="ftr" sz="quarter" idx="11"/>
+          </p:nvPr>
+        </p:nvSpPr>
+        <p:spPr/>
+        <p:txBody>
+          <a:bodyPr/>
+          <a:lstStyle/>
+          <a:p>
+            <a:r>
+              <a:rPr lang="en-US"/>
+              <a:t>© 2016 Pearson Education, Inc., Hoboken, NJ.  All rights reserved.</a:t>
+            </a:r>
+          </a:p>
+        </p:txBody>
+      </p:sp>
+      <p:sp>
+        <p:nvSpPr>
+          <p:cNvPr id="5" name="Slide Number Placeholder 4">
+            <a:extLst>
+              <a:ext uri="{FF2B5EF4-FFF2-40B4-BE49-F238E27FC236}">
+                <a16:creationId xmlns:a16="http://schemas.microsoft.com/office/drawing/2014/main" id="{A998C9CE-D56D-A845-B4AB-6F0B4431B165}"/>
+              </a:ext>
+            </a:extLst>
+          </p:cNvPr>
+          <p:cNvSpPr>
+            <a:spLocks noGrp="1"/>
+          </p:cNvSpPr>
+          <p:nvPr>
+            <p:ph type="sldNum" sz="quarter" idx="12"/>
+          </p:nvPr>
+        </p:nvSpPr>
+        <p:spPr/>
+        <p:txBody>
+          <a:bodyPr/>
+          <a:lstStyle/>
+          <a:p>
+            <a:fld id="{85A8DA42-601D-40A8-83CA-2F2CBDE5F9F0}" type="slidenum">
+              <a:rPr lang="en-US" smtClean="0"/>
+              <a:t>22</a:t>
+            </a:fld>
+            <a:endParaRPr lang="en-US"/>
+          </a:p>
+        </p:txBody>
+      </p:sp>
+    </p:spTree>
+    <p:extLst>
+      <p:ext uri="{BB962C8B-B14F-4D97-AF65-F5344CB8AC3E}">
+        <p14:creationId xmlns:p14="http://schemas.microsoft.com/office/powerpoint/2010/main" val="165316992"/>
+      </p:ext>
+    </p:extLst>
+  </p:cSld>
+  <p:clrMapOvr>
+    <a:masterClrMapping/>
+  </p:clrMapOvr>
+</p:sld>
+</file>
+
 <file path=ppt/slides/slide23.xml><?xml version="1.0" encoding="utf-8"?>
 <p:sld xmlns:a="http://schemas.openxmlformats.org/drawingml/2006/main" xmlns:r="http://schemas.openxmlformats.org/officeDocument/2006/relationships" xmlns:p="http://schemas.openxmlformats.org/presentationml/2006/main">
   <p:cSld>
@@ -5838,14 +5936,12 @@
         </p:nvSpPr>
         <p:spPr/>
         <p:txBody>
-          <a:bodyPr>
-            <a:normAutofit/>
-          </a:bodyPr>
+          <a:bodyPr/>
           <a:lstStyle/>
           <a:p>
             <a:r>
               <a:rPr lang="en-US" dirty="0"/>
-              <a:t>Header files: defining the interface</a:t>
+              <a:t>.c files: the implementation</a:t>
             </a:r>
           </a:p>
         </p:txBody>
@@ -5869,105 +5965,46 @@
         <p:spPr/>
         <p:txBody>
           <a:bodyPr>
-            <a:normAutofit fontScale="85000" lnSpcReduction="20000"/>
+            <a:normAutofit/>
           </a:bodyPr>
           <a:lstStyle/>
           <a:p>
-            <a:pPr marL="0" indent="0">
-              <a:buNone/>
-            </a:pPr>
-            <a:r>
-              <a:rPr lang="en-US" dirty="0">
-                <a:ea typeface="+mn-lt"/>
-                <a:cs typeface="+mn-lt"/>
-              </a:rPr>
-              <a:t>#include&lt;</a:t>
-            </a:r>
-            <a:r>
-              <a:rPr lang="en-US" dirty="0" err="1">
-                <a:ea typeface="+mn-lt"/>
-                <a:cs typeface="+mn-lt"/>
-              </a:rPr>
-              <a:t>stdio.h</a:t>
-            </a:r>
-            <a:r>
-              <a:rPr lang="en-US" dirty="0">
-                <a:ea typeface="+mn-lt"/>
-                <a:cs typeface="+mn-lt"/>
-              </a:rPr>
-              <a:t>&gt;</a:t>
-            </a:r>
-          </a:p>
-          <a:p>
-            <a:pPr marL="0" indent="0">
-              <a:buNone/>
-            </a:pPr>
             <a:r>
               <a:rPr lang="en-US" dirty="0">
                 <a:cs typeface="Calibri"/>
               </a:rPr>
-              <a:t>versus</a:t>
-            </a:r>
-          </a:p>
-          <a:p>
-            <a:pPr marL="0" indent="0">
-              <a:buNone/>
-            </a:pPr>
+              <a:t>Contain C code</a:t>
+            </a:r>
+          </a:p>
+          <a:p>
             <a:r>
               <a:rPr lang="en-US" dirty="0">
                 <a:cs typeface="Calibri"/>
               </a:rPr>
-              <a:t>#</a:t>
-            </a:r>
-            <a:r>
-              <a:rPr lang="en-US" dirty="0" err="1">
-                <a:cs typeface="Calibri"/>
-              </a:rPr>
-              <a:t>include"class.h</a:t>
-            </a:r>
+              <a:t>Do get compiled separately</a:t>
+            </a:r>
+          </a:p>
+          <a:p>
             <a:r>
               <a:rPr lang="en-US" dirty="0">
                 <a:cs typeface="Calibri"/>
               </a:rPr>
-              <a:t>"</a:t>
-            </a:r>
-          </a:p>
-          <a:p>
-            <a:pPr marL="0" indent="0">
-              <a:buNone/>
-            </a:pPr>
-            <a:endParaRPr lang="en-US" dirty="0">
-              <a:cs typeface="Calibri"/>
-            </a:endParaRPr>
-          </a:p>
-          <a:p>
+              <a:t>Are </a:t>
+            </a:r>
+            <a:r>
+              <a:rPr lang="en-US" i="1" dirty="0">
+                <a:cs typeface="Calibri"/>
+              </a:rPr>
+              <a:t>linked</a:t>
+            </a:r>
             <a:r>
               <a:rPr lang="en-US" dirty="0">
                 <a:cs typeface="Calibri"/>
               </a:rPr>
-              <a:t>Angle brackets versus quotes tells compiler where to look for the file</a:t>
-            </a:r>
-          </a:p>
-          <a:p>
-            <a:r>
-              <a:rPr lang="en-US" dirty="0">
-                <a:cs typeface="Calibri"/>
-              </a:rPr>
-              <a:t>Gets copied in by preprocessor and then compiled in the .c file</a:t>
-            </a:r>
-          </a:p>
-          <a:p>
-            <a:r>
-              <a:rPr lang="en-US" dirty="0">
-                <a:cs typeface="Calibri"/>
-              </a:rPr>
-              <a:t>A .h file is never in the compile command</a:t>
-            </a:r>
-          </a:p>
-          <a:p>
-            <a:pPr marL="0" indent="0">
-              <a:buNone/>
-            </a:pPr>
+              <a:t> after compilation to form the executable</a:t>
+            </a:r>
+          </a:p>
+          <a:p>
             <a:endParaRPr lang="en-US" dirty="0">
               <a:cs typeface="Calibri"/>
             </a:endParaRPr>
@@ -5993,6 +6030,18 @@
                 <a:cs typeface="Calibri"/>
               </a:rPr>
               <a:t>program.c</a:t>
+            </a:r>
+            <a:r>
+              <a:rPr lang="en-US" dirty="0">
+                <a:cs typeface="Calibri"/>
+              </a:rPr>
+              <a:t> </a:t>
+            </a:r>
+            <a:r>
+              <a:rPr lang="en-US" dirty="0" err="1">
+                <a:cs typeface="Calibri"/>
+              </a:rPr>
+              <a:t>funcs.c</a:t>
             </a:r>
             <a:endParaRPr lang="en-US" dirty="0">
               <a:cs typeface="Calibri"/>
@@ -6060,7 +6109,7 @@
     </p:spTree>
     <p:extLst>
       <p:ext uri="{BB962C8B-B14F-4D97-AF65-F5344CB8AC3E}">
-        <p14:creationId xmlns:p14="http://schemas.microsoft.com/office/powerpoint/2010/main" val="165316992"/>
+        <p14:creationId xmlns:p14="http://schemas.microsoft.com/office/powerpoint/2010/main" val="3661327451"/>
       </p:ext>
     </p:extLst>
   </p:cSld>
@@ -6110,7 +6159,7 @@
           <a:p>
             <a:r>
               <a:rPr lang="en-US" dirty="0"/>
-              <a:t>.c files: the implementation</a:t>
+              <a:t>Header guards</a:t>
             </a:r>
           </a:p>
         </p:txBody>
@@ -6134,7 +6183,7 @@
         <p:spPr/>
         <p:txBody>
           <a:bodyPr>
-            <a:normAutofit/>
+            <a:normAutofit lnSpcReduction="10000"/>
           </a:bodyPr>
           <a:lstStyle/>
           <a:p>
@@ -6142,7 +6191,7 @@
               <a:rPr lang="en-US" dirty="0">
                 <a:cs typeface="Calibri"/>
               </a:rPr>
-              <a:t>Contain C code</a:t>
+              <a:t>We don’t want to include headers multiple times, but they may reference one another</a:t>
             </a:r>
           </a:p>
           <a:p>
@@ -6150,27 +6199,7 @@
               <a:rPr lang="en-US" dirty="0">
                 <a:cs typeface="Calibri"/>
               </a:rPr>
-              <a:t>Do get compiled separately</a:t>
-            </a:r>
-          </a:p>
-          <a:p>
-            <a:r>
-              <a:rPr lang="en-US" dirty="0">
-                <a:cs typeface="Calibri"/>
-              </a:rPr>
-              <a:t>Are </a:t>
-            </a:r>
-            <a:r>
-              <a:rPr lang="en-US" i="1" dirty="0">
-                <a:cs typeface="Calibri"/>
-              </a:rPr>
-              <a:t>linked</a:t>
-            </a:r>
-            <a:r>
-              <a:rPr lang="en-US" dirty="0">
-                <a:cs typeface="Calibri"/>
-              </a:rPr>
-              <a:t> after compilation to form the executable</a:t>
+              <a:t>Solution: header guards</a:t>
             </a:r>
           </a:p>
           <a:p>
@@ -6183,34 +6212,67 @@
               <a:buNone/>
             </a:pPr>
             <a:r>
+              <a:rPr lang="en-US" dirty="0">
+                <a:effectLst/>
+                <a:latin typeface="inherit"/>
+              </a:rPr>
+              <a:t>#</a:t>
+            </a:r>
+            <a:r>
               <a:rPr lang="en-US" dirty="0" err="1">
-                <a:cs typeface="Calibri"/>
+                <a:effectLst/>
+                <a:latin typeface="inherit"/>
               </a:rPr>
-              <a:t>gcc</a:t>
+              <a:t>ifndef</a:t>
             </a:r>
             <a:r>
               <a:rPr lang="en-US" dirty="0">
-                <a:cs typeface="Calibri"/>
+                <a:effectLst/>
+                <a:latin typeface="inherit"/>
               </a:rPr>
-              <a:t> –o exe –Wall </a:t>
-            </a:r>
-            <a:r>
-              <a:rPr lang="en-US" dirty="0" err="1">
-                <a:cs typeface="Calibri"/>
+              <a:t> FILENAME_H</a:t>
+            </a:r>
+            <a:endParaRPr lang="en-US" dirty="0"/>
+          </a:p>
+          <a:p>
+            <a:pPr marL="0" indent="0">
+              <a:buNone/>
+            </a:pPr>
+            <a:r>
+              <a:rPr lang="en-US" dirty="0">
+                <a:effectLst/>
+                <a:latin typeface="inherit"/>
               </a:rPr>
-              <a:t>program.c</a:t>
-            </a:r>
+              <a:t>#define FILENAME_H</a:t>
+            </a:r>
+            <a:endParaRPr lang="en-US" dirty="0"/>
+          </a:p>
+          <a:p>
+            <a:pPr marL="0" indent="0">
+              <a:buNone/>
+            </a:pPr>
             <a:r>
               <a:rPr lang="en-US" dirty="0">
-                <a:cs typeface="Calibri"/>
+                <a:effectLst/>
+                <a:latin typeface="inherit"/>
               </a:rPr>
+              <a:t>/* ... Declarations here ... */</a:t>
+            </a:r>
+            <a:r>
+              <a:rPr lang="en-US" dirty="0"/>
               <a:t> </a:t>
             </a:r>
-            <a:r>
-              <a:rPr lang="en-US" dirty="0" err="1">
-                <a:cs typeface="Calibri"/>
+          </a:p>
+          <a:p>
+            <a:pPr marL="0" indent="0">
+              <a:buNone/>
+            </a:pPr>
+            <a:r>
+              <a:rPr lang="en-US" dirty="0">
+                <a:effectLst/>
+                <a:latin typeface="inherit"/>
               </a:rPr>
-              <a:t>funcs.c</a:t>
+              <a:t>#endif</a:t>
             </a:r>
             <a:endParaRPr lang="en-US" dirty="0">
               <a:cs typeface="Calibri"/>
@@ -6270,237 +6332,6 @@
             <a:fld id="{85A8DA42-601D-40A8-83CA-2F2CBDE5F9F0}" type="slidenum">
               <a:rPr lang="en-US" smtClean="0"/>
               <a:t>24</a:t>
-            </a:fld>
-            <a:endParaRPr lang="en-US"/>
-          </a:p>
-        </p:txBody>
-      </p:sp>
-    </p:spTree>
-    <p:extLst>
-      <p:ext uri="{BB962C8B-B14F-4D97-AF65-F5344CB8AC3E}">
-        <p14:creationId xmlns:p14="http://schemas.microsoft.com/office/powerpoint/2010/main" val="3661327451"/>
-      </p:ext>
-    </p:extLst>
-  </p:cSld>
-  <p:clrMapOvr>
-    <a:masterClrMapping/>
-  </p:clrMapOvr>
-</p:sld>
-</file>
-
-<file path=ppt/slides/slide25.xml><?xml version="1.0" encoding="utf-8"?>
-<p:sld xmlns:a="http://schemas.openxmlformats.org/drawingml/2006/main" xmlns:r="http://schemas.openxmlformats.org/officeDocument/2006/relationships" xmlns:p="http://schemas.openxmlformats.org/presentationml/2006/main">
-  <p:cSld>
-    <p:spTree>
-      <p:nvGrpSpPr>
-        <p:cNvPr id="1" name=""/>
-        <p:cNvGrpSpPr/>
-        <p:nvPr/>
-      </p:nvGrpSpPr>
-      <p:grpSpPr>
-        <a:xfrm>
-          <a:off x="0" y="0"/>
-          <a:ext cx="0" cy="0"/>
-          <a:chOff x="0" y="0"/>
-          <a:chExt cx="0" cy="0"/>
-        </a:xfrm>
-      </p:grpSpPr>
-      <p:sp>
-        <p:nvSpPr>
-          <p:cNvPr id="2" name="Title 1">
-            <a:extLst>
-              <a:ext uri="{FF2B5EF4-FFF2-40B4-BE49-F238E27FC236}">
-                <a16:creationId xmlns:a16="http://schemas.microsoft.com/office/drawing/2014/main" id="{A0AD9619-ACDB-9847-9414-8D331518AA37}"/>
-              </a:ext>
-            </a:extLst>
-          </p:cNvPr>
-          <p:cNvSpPr>
-            <a:spLocks noGrp="1"/>
-          </p:cNvSpPr>
-          <p:nvPr>
-            <p:ph type="title"/>
-          </p:nvPr>
-        </p:nvSpPr>
-        <p:spPr/>
-        <p:txBody>
-          <a:bodyPr/>
-          <a:lstStyle/>
-          <a:p>
-            <a:r>
-              <a:rPr lang="en-US" dirty="0"/>
-              <a:t>Header guards</a:t>
-            </a:r>
-          </a:p>
-        </p:txBody>
-      </p:sp>
-      <p:sp>
-        <p:nvSpPr>
-          <p:cNvPr id="3" name="Content Placeholder 2">
-            <a:extLst>
-              <a:ext uri="{FF2B5EF4-FFF2-40B4-BE49-F238E27FC236}">
-                <a16:creationId xmlns:a16="http://schemas.microsoft.com/office/drawing/2014/main" id="{CE07B50E-8174-9546-9088-E584C0B94BC6}"/>
-              </a:ext>
-            </a:extLst>
-          </p:cNvPr>
-          <p:cNvSpPr>
-            <a:spLocks noGrp="1"/>
-          </p:cNvSpPr>
-          <p:nvPr>
-            <p:ph idx="1"/>
-          </p:nvPr>
-        </p:nvSpPr>
-        <p:spPr/>
-        <p:txBody>
-          <a:bodyPr>
-            <a:normAutofit lnSpcReduction="10000"/>
-          </a:bodyPr>
-          <a:lstStyle/>
-          <a:p>
-            <a:r>
-              <a:rPr lang="en-US" dirty="0">
-                <a:cs typeface="Calibri"/>
-              </a:rPr>
-              <a:t>We don’t want to include headers multiple times, but they may reference one another</a:t>
-            </a:r>
-          </a:p>
-          <a:p>
-            <a:r>
-              <a:rPr lang="en-US" dirty="0">
-                <a:cs typeface="Calibri"/>
-              </a:rPr>
-              <a:t>Solution: header guards</a:t>
-            </a:r>
-          </a:p>
-          <a:p>
-            <a:endParaRPr lang="en-US" dirty="0">
-              <a:cs typeface="Calibri"/>
-            </a:endParaRPr>
-          </a:p>
-          <a:p>
-            <a:pPr marL="0" indent="0">
-              <a:buNone/>
-            </a:pPr>
-            <a:r>
-              <a:rPr lang="en-US" dirty="0">
-                <a:effectLst/>
-                <a:latin typeface="inherit"/>
-              </a:rPr>
-              <a:t>#</a:t>
-            </a:r>
-            <a:r>
-              <a:rPr lang="en-US" dirty="0" err="1">
-                <a:effectLst/>
-                <a:latin typeface="inherit"/>
-              </a:rPr>
-              <a:t>ifndef</a:t>
-            </a:r>
-            <a:r>
-              <a:rPr lang="en-US" dirty="0">
-                <a:effectLst/>
-                <a:latin typeface="inherit"/>
-              </a:rPr>
-              <a:t> FILENAME_H</a:t>
-            </a:r>
-            <a:endParaRPr lang="en-US" dirty="0"/>
-          </a:p>
-          <a:p>
-            <a:pPr marL="0" indent="0">
-              <a:buNone/>
-            </a:pPr>
-            <a:r>
-              <a:rPr lang="en-US" dirty="0">
-                <a:effectLst/>
-                <a:latin typeface="inherit"/>
-              </a:rPr>
-              <a:t>#define FILENAME_H</a:t>
-            </a:r>
-            <a:endParaRPr lang="en-US" dirty="0"/>
-          </a:p>
-          <a:p>
-            <a:pPr marL="0" indent="0">
-              <a:buNone/>
-            </a:pPr>
-            <a:r>
-              <a:rPr lang="en-US" dirty="0">
-                <a:effectLst/>
-                <a:latin typeface="inherit"/>
-              </a:rPr>
-              <a:t>/* ... Declarations here ... */</a:t>
-            </a:r>
-            <a:r>
-              <a:rPr lang="en-US" dirty="0"/>
-              <a:t> </a:t>
-            </a:r>
-          </a:p>
-          <a:p>
-            <a:pPr marL="0" indent="0">
-              <a:buNone/>
-            </a:pPr>
-            <a:r>
-              <a:rPr lang="en-US" dirty="0">
-                <a:effectLst/>
-                <a:latin typeface="inherit"/>
-              </a:rPr>
-              <a:t>#endif</a:t>
-            </a:r>
-            <a:endParaRPr lang="en-US" dirty="0">
-              <a:cs typeface="Calibri"/>
-            </a:endParaRPr>
-          </a:p>
-        </p:txBody>
-      </p:sp>
-      <p:sp>
-        <p:nvSpPr>
-          <p:cNvPr id="4" name="Footer Placeholder 3">
-            <a:extLst>
-              <a:ext uri="{FF2B5EF4-FFF2-40B4-BE49-F238E27FC236}">
-                <a16:creationId xmlns:a16="http://schemas.microsoft.com/office/drawing/2014/main" id="{C5B652D8-2345-244F-9508-4A4FC30CAFC7}"/>
-              </a:ext>
-            </a:extLst>
-          </p:cNvPr>
-          <p:cNvSpPr>
-            <a:spLocks noGrp="1"/>
-          </p:cNvSpPr>
-          <p:nvPr>
-            <p:ph type="ftr" sz="quarter" idx="11"/>
-          </p:nvPr>
-        </p:nvSpPr>
-        <p:spPr/>
-        <p:txBody>
-          <a:bodyPr/>
-          <a:lstStyle/>
-          <a:p>
-            <a:r>
-              <a:rPr lang="en-US"/>
-              <a:t>© 2016 Pearson Education, Inc., Hoboken, NJ.  All rights reserved.</a:t>
-            </a:r>
-          </a:p>
-        </p:txBody>
-      </p:sp>
-      <p:sp>
-        <p:nvSpPr>
-          <p:cNvPr id="5" name="Slide Number Placeholder 4">
-            <a:extLst>
-              <a:ext uri="{FF2B5EF4-FFF2-40B4-BE49-F238E27FC236}">
-                <a16:creationId xmlns:a16="http://schemas.microsoft.com/office/drawing/2014/main" id="{A998C9CE-D56D-A845-B4AB-6F0B4431B165}"/>
-              </a:ext>
-            </a:extLst>
-          </p:cNvPr>
-          <p:cNvSpPr>
-            <a:spLocks noGrp="1"/>
-          </p:cNvSpPr>
-          <p:nvPr>
-            <p:ph type="sldNum" sz="quarter" idx="12"/>
-          </p:nvPr>
-        </p:nvSpPr>
-        <p:spPr/>
-        <p:txBody>
-          <a:bodyPr/>
-          <a:lstStyle/>
-          <a:p>
-            <a:fld id="{85A8DA42-601D-40A8-83CA-2F2CBDE5F9F0}" type="slidenum">
-              <a:rPr lang="en-US" smtClean="0"/>
-              <a:t>25</a:t>
             </a:fld>
             <a:endParaRPr lang="en-US"/>
           </a:p>
@@ -6568,158 +6399,6 @@
             <p:ph idx="1"/>
           </p:nvPr>
         </p:nvSpPr>
-        <p:spPr/>
-        <p:txBody>
-          <a:bodyPr/>
-          <a:lstStyle/>
-          <a:p>
-            <a:r>
-              <a:rPr lang="en-US" dirty="0"/>
-              <a:t>record</a:t>
-            </a:r>
-          </a:p>
-          <a:p>
-            <a:pPr lvl="1"/>
-            <a:r>
-              <a:rPr lang="en-US" dirty="0"/>
-              <a:t>a collection of information about one data object</a:t>
-            </a:r>
-          </a:p>
-          <a:p>
-            <a:r>
-              <a:rPr lang="en-US" dirty="0"/>
-              <a:t>structure type</a:t>
-            </a:r>
-          </a:p>
-          <a:p>
-            <a:pPr lvl="1"/>
-            <a:r>
-              <a:rPr lang="en-US" dirty="0"/>
-              <a:t>a data type for a record composed of multiple components</a:t>
-            </a:r>
-          </a:p>
-          <a:p>
-            <a:r>
-              <a:rPr lang="en-US" dirty="0"/>
-              <a:t>hierarchical structure</a:t>
-            </a:r>
-          </a:p>
-          <a:p>
-            <a:pPr lvl="1"/>
-            <a:r>
-              <a:rPr lang="en-US" dirty="0"/>
-              <a:t>a structure containing components that are structures</a:t>
-            </a:r>
-          </a:p>
-        </p:txBody>
-      </p:sp>
-      <p:sp>
-        <p:nvSpPr>
-          <p:cNvPr id="4" name="Footer Placeholder 3"/>
-          <p:cNvSpPr>
-            <a:spLocks noGrp="1"/>
-          </p:cNvSpPr>
-          <p:nvPr>
-            <p:ph type="ftr" sz="quarter" idx="11"/>
-          </p:nvPr>
-        </p:nvSpPr>
-        <p:spPr/>
-        <p:txBody>
-          <a:bodyPr/>
-          <a:lstStyle/>
-          <a:p>
-            <a:r>
-              <a:rPr lang="en-US"/>
-              <a:t>© 2016 Pearson Education, Inc., Hoboken, NJ.  All rights reserved.</a:t>
-            </a:r>
-          </a:p>
-        </p:txBody>
-      </p:sp>
-      <p:sp>
-        <p:nvSpPr>
-          <p:cNvPr id="5" name="Slide Number Placeholder 4"/>
-          <p:cNvSpPr>
-            <a:spLocks noGrp="1"/>
-          </p:cNvSpPr>
-          <p:nvPr>
-            <p:ph type="sldNum" sz="quarter" idx="12"/>
-          </p:nvPr>
-        </p:nvSpPr>
-        <p:spPr/>
-        <p:txBody>
-          <a:bodyPr/>
-          <a:lstStyle/>
-          <a:p>
-            <a:fld id="{85A8DA42-601D-40A8-83CA-2F2CBDE5F9F0}" type="slidenum">
-              <a:rPr lang="en-US" smtClean="0"/>
-              <a:t>3</a:t>
-            </a:fld>
-            <a:endParaRPr lang="en-US"/>
-          </a:p>
-        </p:txBody>
-      </p:sp>
-    </p:spTree>
-    <p:extLst>
-      <p:ext uri="{BB962C8B-B14F-4D97-AF65-F5344CB8AC3E}">
-        <p14:creationId xmlns:p14="http://schemas.microsoft.com/office/powerpoint/2010/main" val="2930654493"/>
-      </p:ext>
-    </p:extLst>
-  </p:cSld>
-  <p:clrMapOvr>
-    <a:masterClrMapping/>
-  </p:clrMapOvr>
-</p:sld>
-</file>
-
-<file path=ppt/slides/slide4.xml><?xml version="1.0" encoding="utf-8"?>
-<p:sld xmlns:a="http://schemas.openxmlformats.org/drawingml/2006/main" xmlns:r="http://schemas.openxmlformats.org/officeDocument/2006/relationships" xmlns:p="http://schemas.openxmlformats.org/presentationml/2006/main">
-  <p:cSld>
-    <p:spTree>
-      <p:nvGrpSpPr>
-        <p:cNvPr id="1" name=""/>
-        <p:cNvGrpSpPr/>
-        <p:nvPr/>
-      </p:nvGrpSpPr>
-      <p:grpSpPr>
-        <a:xfrm>
-          <a:off x="0" y="0"/>
-          <a:ext cx="0" cy="0"/>
-          <a:chOff x="0" y="0"/>
-          <a:chExt cx="0" cy="0"/>
-        </a:xfrm>
-      </p:grpSpPr>
-      <p:sp>
-        <p:nvSpPr>
-          <p:cNvPr id="2" name="Title 1"/>
-          <p:cNvSpPr>
-            <a:spLocks noGrp="1"/>
-          </p:cNvSpPr>
-          <p:nvPr>
-            <p:ph type="title"/>
-          </p:nvPr>
-        </p:nvSpPr>
-        <p:spPr/>
-        <p:txBody>
-          <a:bodyPr/>
-          <a:lstStyle/>
-          <a:p>
-            <a:r>
-              <a:rPr lang="en-US" dirty="0"/>
-              <a:t>User-Defined Structure Types</a:t>
-            </a:r>
-          </a:p>
-        </p:txBody>
-      </p:sp>
-      <p:sp>
-        <p:nvSpPr>
-          <p:cNvPr id="3" name="Content Placeholder 2"/>
-          <p:cNvSpPr>
-            <a:spLocks noGrp="1"/>
-          </p:cNvSpPr>
-          <p:nvPr>
-            <p:ph idx="1"/>
-          </p:nvPr>
-        </p:nvSpPr>
         <p:spPr>
           <a:xfrm>
             <a:off x="456406" y="1257300"/>
@@ -6817,7 +6496,7 @@
           <a:p>
             <a:fld id="{85A8DA42-601D-40A8-83CA-2F2CBDE5F9F0}" type="slidenum">
               <a:rPr lang="en-US" smtClean="0"/>
-              <a:t>4</a:t>
+              <a:t>3</a:t>
             </a:fld>
             <a:endParaRPr lang="en-US"/>
           </a:p>
@@ -6885,7 +6564,7 @@
 </p:sld>
 </file>
 
-<file path=ppt/slides/slide5.xml><?xml version="1.0" encoding="utf-8"?>
+<file path=ppt/slides/slide4.xml><?xml version="1.0" encoding="utf-8"?>
 <p:sld xmlns:a="http://schemas.openxmlformats.org/drawingml/2006/main" xmlns:r="http://schemas.openxmlformats.org/officeDocument/2006/relationships" xmlns:p="http://schemas.openxmlformats.org/presentationml/2006/main">
   <p:cSld>
     <p:spTree>
@@ -6926,244 +6605,6 @@
       </p:sp>
       <p:sp>
         <p:nvSpPr>
-          <p:cNvPr id="4" name="Footer Placeholder 3"/>
-          <p:cNvSpPr>
-            <a:spLocks noGrp="1"/>
-          </p:cNvSpPr>
-          <p:nvPr>
-            <p:ph type="ftr" sz="quarter" idx="11"/>
-          </p:nvPr>
-        </p:nvSpPr>
-        <p:spPr/>
-        <p:txBody>
-          <a:bodyPr/>
-          <a:lstStyle/>
-          <a:p>
-            <a:r>
-              <a:rPr lang="en-US"/>
-              <a:t>© 2016 Pearson Education, Inc., Hoboken, NJ.  All rights reserved.</a:t>
-            </a:r>
-          </a:p>
-        </p:txBody>
-      </p:sp>
-      <p:sp>
-        <p:nvSpPr>
-          <p:cNvPr id="5" name="Slide Number Placeholder 4"/>
-          <p:cNvSpPr>
-            <a:spLocks noGrp="1"/>
-          </p:cNvSpPr>
-          <p:nvPr>
-            <p:ph type="sldNum" sz="quarter" idx="12"/>
-          </p:nvPr>
-        </p:nvSpPr>
-        <p:spPr/>
-        <p:txBody>
-          <a:bodyPr/>
-          <a:lstStyle/>
-          <a:p>
-            <a:fld id="{85A8DA42-601D-40A8-83CA-2F2CBDE5F9F0}" type="slidenum">
-              <a:rPr lang="en-US" smtClean="0"/>
-              <a:t>5</a:t>
-            </a:fld>
-            <a:endParaRPr lang="en-US"/>
-          </a:p>
-        </p:txBody>
-      </p:sp>
-      <p:sp>
-        <p:nvSpPr>
-          <p:cNvPr id="7" name="Content Placeholder 6">
-            <a:extLst>
-              <a:ext uri="{FF2B5EF4-FFF2-40B4-BE49-F238E27FC236}">
-                <a16:creationId xmlns:a16="http://schemas.microsoft.com/office/drawing/2014/main" id="{B6F7D5C5-3349-BA43-98CB-155B911E9054}"/>
-              </a:ext>
-            </a:extLst>
-          </p:cNvPr>
-          <p:cNvSpPr>
-            <a:spLocks noGrp="1"/>
-          </p:cNvSpPr>
-          <p:nvPr>
-            <p:ph idx="1"/>
-          </p:nvPr>
-        </p:nvSpPr>
-        <p:spPr>
-          <a:xfrm>
-            <a:off x="504497" y="1417638"/>
-            <a:ext cx="8229600" cy="4525963"/>
-          </a:xfrm>
-        </p:spPr>
-        <p:txBody>
-          <a:bodyPr>
-            <a:normAutofit fontScale="77500" lnSpcReduction="20000"/>
-          </a:bodyPr>
-          <a:lstStyle/>
-          <a:p>
-            <a:pPr marL="0" indent="0">
-              <a:buNone/>
-            </a:pPr>
-            <a:r>
-              <a:rPr lang="en-US" dirty="0"/>
-              <a:t>Another syntax:</a:t>
-            </a:r>
-          </a:p>
-          <a:p>
-            <a:pPr marL="0" indent="0">
-              <a:buNone/>
-            </a:pPr>
-            <a:endParaRPr lang="en-US" dirty="0"/>
-          </a:p>
-          <a:p>
-            <a:pPr marL="0" indent="0">
-              <a:buNone/>
-            </a:pPr>
-            <a:r>
-              <a:rPr lang="en-US" dirty="0"/>
-              <a:t>struct Planet {</a:t>
-            </a:r>
-          </a:p>
-          <a:p>
-            <a:pPr marL="0" indent="0">
-              <a:buNone/>
-            </a:pPr>
-            <a:r>
-              <a:rPr lang="en-US" dirty="0"/>
-              <a:t>	char name[70];</a:t>
-            </a:r>
-          </a:p>
-          <a:p>
-            <a:pPr marL="0" indent="0">
-              <a:buNone/>
-            </a:pPr>
-            <a:r>
-              <a:rPr lang="en-US" dirty="0"/>
-              <a:t>	double diameter;</a:t>
-            </a:r>
-          </a:p>
-          <a:p>
-            <a:pPr marL="0" indent="0">
-              <a:buNone/>
-            </a:pPr>
-            <a:r>
-              <a:rPr lang="en-US" dirty="0"/>
-              <a:t>	int moons;</a:t>
-            </a:r>
-          </a:p>
-          <a:p>
-            <a:pPr marL="0" indent="0">
-              <a:buNone/>
-            </a:pPr>
-            <a:r>
-              <a:rPr lang="en-US" dirty="0"/>
-              <a:t>	double </a:t>
-            </a:r>
-            <a:r>
-              <a:rPr lang="en-US" dirty="0" err="1"/>
-              <a:t>orbit_time</a:t>
-            </a:r>
-            <a:r>
-              <a:rPr lang="en-US" dirty="0"/>
-              <a:t>,</a:t>
-            </a:r>
-          </a:p>
-          <a:p>
-            <a:pPr marL="0" indent="0">
-              <a:buNone/>
-            </a:pPr>
-            <a:r>
-              <a:rPr lang="en-US" dirty="0"/>
-              <a:t>		    </a:t>
-            </a:r>
-            <a:r>
-              <a:rPr lang="en-US" dirty="0" err="1"/>
-              <a:t>rotation_time</a:t>
-            </a:r>
-            <a:r>
-              <a:rPr lang="en-US" dirty="0"/>
-              <a:t>;</a:t>
-            </a:r>
-          </a:p>
-          <a:p>
-            <a:pPr marL="0" indent="0">
-              <a:buNone/>
-            </a:pPr>
-            <a:r>
-              <a:rPr lang="en-US" dirty="0"/>
-              <a:t>};</a:t>
-            </a:r>
-          </a:p>
-          <a:p>
-            <a:pPr marL="0" indent="0">
-              <a:buNone/>
-            </a:pPr>
-            <a:r>
-              <a:rPr lang="en-US" dirty="0"/>
-              <a:t>// in a function</a:t>
-            </a:r>
-          </a:p>
-          <a:p>
-            <a:pPr marL="0" indent="0">
-              <a:buNone/>
-            </a:pPr>
-            <a:r>
-              <a:rPr lang="en-US" dirty="0"/>
-              <a:t>struct Planet p1, p2;</a:t>
-            </a:r>
-          </a:p>
-        </p:txBody>
-      </p:sp>
-    </p:spTree>
-    <p:extLst>
-      <p:ext uri="{BB962C8B-B14F-4D97-AF65-F5344CB8AC3E}">
-        <p14:creationId xmlns:p14="http://schemas.microsoft.com/office/powerpoint/2010/main" val="223098327"/>
-      </p:ext>
-    </p:extLst>
-  </p:cSld>
-  <p:clrMapOvr>
-    <a:masterClrMapping/>
-  </p:clrMapOvr>
-</p:sld>
-</file>
-
-<file path=ppt/slides/slide6.xml><?xml version="1.0" encoding="utf-8"?>
-<p:sld xmlns:a="http://schemas.openxmlformats.org/drawingml/2006/main" xmlns:r="http://schemas.openxmlformats.org/officeDocument/2006/relationships" xmlns:p="http://schemas.openxmlformats.org/presentationml/2006/main">
-  <p:cSld>
-    <p:spTree>
-      <p:nvGrpSpPr>
-        <p:cNvPr id="1" name=""/>
-        <p:cNvGrpSpPr/>
-        <p:nvPr/>
-      </p:nvGrpSpPr>
-      <p:grpSpPr>
-        <a:xfrm>
-          <a:off x="0" y="0"/>
-          <a:ext cx="0" cy="0"/>
-          <a:chOff x="0" y="0"/>
-          <a:chExt cx="0" cy="0"/>
-        </a:xfrm>
-      </p:grpSpPr>
-      <p:sp>
-        <p:nvSpPr>
-          <p:cNvPr id="2" name="Title 1"/>
-          <p:cNvSpPr>
-            <a:spLocks noGrp="1"/>
-          </p:cNvSpPr>
-          <p:nvPr>
-            <p:ph type="title"/>
-          </p:nvPr>
-        </p:nvSpPr>
-        <p:spPr/>
-        <p:txBody>
-          <a:bodyPr/>
-          <a:lstStyle/>
-          <a:p>
-            <a:r>
-              <a:rPr lang="en-US" dirty="0"/>
-              <a:t>User-Defined Structure Types</a:t>
-            </a:r>
-          </a:p>
-        </p:txBody>
-      </p:sp>
-      <p:sp>
-        <p:nvSpPr>
           <p:cNvPr id="3" name="Content Placeholder 2"/>
           <p:cNvSpPr>
             <a:spLocks noGrp="1"/>
@@ -7269,7 +6710,7 @@
           <a:p>
             <a:fld id="{85A8DA42-601D-40A8-83CA-2F2CBDE5F9F0}" type="slidenum">
               <a:rPr lang="en-US" smtClean="0"/>
-              <a:t>6</a:t>
+              <a:t>4</a:t>
             </a:fld>
             <a:endParaRPr lang="en-US"/>
           </a:p>
@@ -7376,7 +6817,7 @@
 </p:sld>
 </file>
 
-<file path=ppt/slides/slide7.xml><?xml version="1.0" encoding="utf-8"?>
+<file path=ppt/slides/slide5.xml><?xml version="1.0" encoding="utf-8"?>
 <p:sld xmlns:a="http://schemas.openxmlformats.org/drawingml/2006/main" xmlns:r="http://schemas.openxmlformats.org/officeDocument/2006/relationships" xmlns:p="http://schemas.openxmlformats.org/presentationml/2006/main">
   <p:cSld>
     <p:spTree>
@@ -7497,7 +6938,7 @@
           <a:p>
             <a:fld id="{85A8DA42-601D-40A8-83CA-2F2CBDE5F9F0}" type="slidenum">
               <a:rPr lang="en-US" smtClean="0"/>
-              <a:t>7</a:t>
+              <a:t>5</a:t>
             </a:fld>
             <a:endParaRPr lang="en-US"/>
           </a:p>
@@ -7591,7 +7032,7 @@
 </p:sld>
 </file>
 
-<file path=ppt/slides/slide8.xml><?xml version="1.0" encoding="utf-8"?>
+<file path=ppt/slides/slide6.xml><?xml version="1.0" encoding="utf-8"?>
 <p:sld xmlns:a="http://schemas.openxmlformats.org/drawingml/2006/main" xmlns:r="http://schemas.openxmlformats.org/officeDocument/2006/relationships" xmlns:p="http://schemas.openxmlformats.org/presentationml/2006/main">
   <p:cSld>
     <p:spTree>
@@ -7647,7 +7088,7 @@
           <a:p>
             <a:fld id="{85A8DA42-601D-40A8-83CA-2F2CBDE5F9F0}" type="slidenum">
               <a:rPr lang="en-US" smtClean="0"/>
-              <a:t>8</a:t>
+              <a:t>6</a:t>
             </a:fld>
             <a:endParaRPr lang="en-US"/>
           </a:p>
@@ -7696,6 +7137,401 @@
 </p:sld>
 </file>
 
+<file path=ppt/slides/slide7.xml><?xml version="1.0" encoding="utf-8"?>
+<p:sld xmlns:a="http://schemas.openxmlformats.org/drawingml/2006/main" xmlns:r="http://schemas.openxmlformats.org/officeDocument/2006/relationships" xmlns:p="http://schemas.openxmlformats.org/presentationml/2006/main">
+  <p:cSld>
+    <p:spTree>
+      <p:nvGrpSpPr>
+        <p:cNvPr id="1" name=""/>
+        <p:cNvGrpSpPr/>
+        <p:nvPr/>
+      </p:nvGrpSpPr>
+      <p:grpSpPr>
+        <a:xfrm>
+          <a:off x="0" y="0"/>
+          <a:ext cx="0" cy="0"/>
+          <a:chOff x="0" y="0"/>
+          <a:chExt cx="0" cy="0"/>
+        </a:xfrm>
+      </p:grpSpPr>
+      <p:sp>
+        <p:nvSpPr>
+          <p:cNvPr id="2" name="Title 1"/>
+          <p:cNvSpPr>
+            <a:spLocks noGrp="1"/>
+          </p:cNvSpPr>
+          <p:nvPr>
+            <p:ph type="title"/>
+          </p:nvPr>
+        </p:nvSpPr>
+        <p:spPr/>
+        <p:txBody>
+          <a:bodyPr/>
+          <a:lstStyle/>
+          <a:p>
+            <a:r>
+              <a:rPr lang="en-US" dirty="0"/>
+              <a:t>User-Defined Structure Types</a:t>
+            </a:r>
+          </a:p>
+        </p:txBody>
+      </p:sp>
+      <p:sp>
+        <p:nvSpPr>
+          <p:cNvPr id="4" name="Footer Placeholder 3"/>
+          <p:cNvSpPr>
+            <a:spLocks noGrp="1"/>
+          </p:cNvSpPr>
+          <p:nvPr>
+            <p:ph type="ftr" sz="quarter" idx="11"/>
+          </p:nvPr>
+        </p:nvSpPr>
+        <p:spPr/>
+        <p:txBody>
+          <a:bodyPr/>
+          <a:lstStyle/>
+          <a:p>
+            <a:r>
+              <a:rPr lang="en-US"/>
+              <a:t>© 2016 Pearson Education, Inc., Hoboken, NJ.  All rights reserved.</a:t>
+            </a:r>
+          </a:p>
+        </p:txBody>
+      </p:sp>
+      <p:sp>
+        <p:nvSpPr>
+          <p:cNvPr id="5" name="Slide Number Placeholder 4"/>
+          <p:cNvSpPr>
+            <a:spLocks noGrp="1"/>
+          </p:cNvSpPr>
+          <p:nvPr>
+            <p:ph type="sldNum" sz="quarter" idx="12"/>
+          </p:nvPr>
+        </p:nvSpPr>
+        <p:spPr/>
+        <p:txBody>
+          <a:bodyPr/>
+          <a:lstStyle/>
+          <a:p>
+            <a:fld id="{85A8DA42-601D-40A8-83CA-2F2CBDE5F9F0}" type="slidenum">
+              <a:rPr lang="en-US" smtClean="0"/>
+              <a:t>7</a:t>
+            </a:fld>
+            <a:endParaRPr lang="en-US"/>
+          </a:p>
+        </p:txBody>
+      </p:sp>
+      <p:sp>
+        <p:nvSpPr>
+          <p:cNvPr id="7" name="Content Placeholder 6">
+            <a:extLst>
+              <a:ext uri="{FF2B5EF4-FFF2-40B4-BE49-F238E27FC236}">
+                <a16:creationId xmlns:a16="http://schemas.microsoft.com/office/drawing/2014/main" id="{B6F7D5C5-3349-BA43-98CB-155B911E9054}"/>
+              </a:ext>
+            </a:extLst>
+          </p:cNvPr>
+          <p:cNvSpPr>
+            <a:spLocks noGrp="1"/>
+          </p:cNvSpPr>
+          <p:nvPr>
+            <p:ph idx="1"/>
+          </p:nvPr>
+        </p:nvSpPr>
+        <p:spPr>
+          <a:xfrm>
+            <a:off x="504497" y="1417638"/>
+            <a:ext cx="8229600" cy="4525963"/>
+          </a:xfrm>
+        </p:spPr>
+        <p:txBody>
+          <a:bodyPr>
+            <a:normAutofit fontScale="77500" lnSpcReduction="20000"/>
+          </a:bodyPr>
+          <a:lstStyle/>
+          <a:p>
+            <a:pPr marL="0" indent="0">
+              <a:buNone/>
+            </a:pPr>
+            <a:r>
+              <a:rPr lang="en-US" dirty="0"/>
+              <a:t>Another syntax:</a:t>
+            </a:r>
+          </a:p>
+          <a:p>
+            <a:pPr marL="0" indent="0">
+              <a:buNone/>
+            </a:pPr>
+            <a:endParaRPr lang="en-US" dirty="0"/>
+          </a:p>
+          <a:p>
+            <a:pPr marL="0" indent="0">
+              <a:buNone/>
+            </a:pPr>
+            <a:r>
+              <a:rPr lang="en-US" dirty="0"/>
+              <a:t>struct Planet {</a:t>
+            </a:r>
+          </a:p>
+          <a:p>
+            <a:pPr marL="0" indent="0">
+              <a:buNone/>
+            </a:pPr>
+            <a:r>
+              <a:rPr lang="en-US" dirty="0"/>
+              <a:t>	char name[70];</a:t>
+            </a:r>
+          </a:p>
+          <a:p>
+            <a:pPr marL="0" indent="0">
+              <a:buNone/>
+            </a:pPr>
+            <a:r>
+              <a:rPr lang="en-US" dirty="0"/>
+              <a:t>	double diameter;</a:t>
+            </a:r>
+          </a:p>
+          <a:p>
+            <a:pPr marL="0" indent="0">
+              <a:buNone/>
+            </a:pPr>
+            <a:r>
+              <a:rPr lang="en-US" dirty="0"/>
+              <a:t>	int moons;</a:t>
+            </a:r>
+          </a:p>
+          <a:p>
+            <a:pPr marL="0" indent="0">
+              <a:buNone/>
+            </a:pPr>
+            <a:r>
+              <a:rPr lang="en-US" dirty="0"/>
+              <a:t>	double </a:t>
+            </a:r>
+            <a:r>
+              <a:rPr lang="en-US" dirty="0" err="1"/>
+              <a:t>orbit_time</a:t>
+            </a:r>
+            <a:r>
+              <a:rPr lang="en-US" dirty="0"/>
+              <a:t>,</a:t>
+            </a:r>
+          </a:p>
+          <a:p>
+            <a:pPr marL="0" indent="0">
+              <a:buNone/>
+            </a:pPr>
+            <a:r>
+              <a:rPr lang="en-US" dirty="0"/>
+              <a:t>		    </a:t>
+            </a:r>
+            <a:r>
+              <a:rPr lang="en-US" dirty="0" err="1"/>
+              <a:t>rotation_time</a:t>
+            </a:r>
+            <a:r>
+              <a:rPr lang="en-US" dirty="0"/>
+              <a:t>;</a:t>
+            </a:r>
+          </a:p>
+          <a:p>
+            <a:pPr marL="0" indent="0">
+              <a:buNone/>
+            </a:pPr>
+            <a:r>
+              <a:rPr lang="en-US" dirty="0"/>
+              <a:t>};</a:t>
+            </a:r>
+          </a:p>
+          <a:p>
+            <a:pPr marL="0" indent="0">
+              <a:buNone/>
+            </a:pPr>
+            <a:r>
+              <a:rPr lang="en-US" dirty="0"/>
+              <a:t>// in a function</a:t>
+            </a:r>
+          </a:p>
+          <a:p>
+            <a:pPr marL="0" indent="0">
+              <a:buNone/>
+            </a:pPr>
+            <a:r>
+              <a:rPr lang="en-US" dirty="0"/>
+              <a:t>struct Planet p1, p2;</a:t>
+            </a:r>
+          </a:p>
+        </p:txBody>
+      </p:sp>
+    </p:spTree>
+    <p:extLst>
+      <p:ext uri="{BB962C8B-B14F-4D97-AF65-F5344CB8AC3E}">
+        <p14:creationId xmlns:p14="http://schemas.microsoft.com/office/powerpoint/2010/main" val="1556962959"/>
+      </p:ext>
+    </p:extLst>
+  </p:cSld>
+  <p:clrMapOvr>
+    <a:masterClrMapping/>
+  </p:clrMapOvr>
+</p:sld>
+</file>
+
+<file path=ppt/slides/slide8.xml><?xml version="1.0" encoding="utf-8"?>
+<p:sld xmlns:a="http://schemas.openxmlformats.org/drawingml/2006/main" xmlns:r="http://schemas.openxmlformats.org/officeDocument/2006/relationships" xmlns:p="http://schemas.openxmlformats.org/presentationml/2006/main">
+  <p:cSld>
+    <p:spTree>
+      <p:nvGrpSpPr>
+        <p:cNvPr id="1" name=""/>
+        <p:cNvGrpSpPr/>
+        <p:nvPr/>
+      </p:nvGrpSpPr>
+      <p:grpSpPr>
+        <a:xfrm>
+          <a:off x="0" y="0"/>
+          <a:ext cx="0" cy="0"/>
+          <a:chOff x="0" y="0"/>
+          <a:chExt cx="0" cy="0"/>
+        </a:xfrm>
+      </p:grpSpPr>
+      <p:sp>
+        <p:nvSpPr>
+          <p:cNvPr id="2" name="Title 1"/>
+          <p:cNvSpPr>
+            <a:spLocks noGrp="1"/>
+          </p:cNvSpPr>
+          <p:nvPr>
+            <p:ph type="title"/>
+          </p:nvPr>
+        </p:nvSpPr>
+        <p:spPr/>
+        <p:txBody>
+          <a:bodyPr>
+            <a:normAutofit fontScale="90000"/>
+          </a:bodyPr>
+          <a:lstStyle/>
+          <a:p>
+            <a:r>
+              <a:rPr lang="en-US" dirty="0"/>
+              <a:t>Structure Data Type as Input and Output Parameters</a:t>
+            </a:r>
+          </a:p>
+        </p:txBody>
+      </p:sp>
+      <p:sp>
+        <p:nvSpPr>
+          <p:cNvPr id="3" name="Content Placeholder 2"/>
+          <p:cNvSpPr>
+            <a:spLocks noGrp="1"/>
+          </p:cNvSpPr>
+          <p:nvPr>
+            <p:ph idx="1"/>
+          </p:nvPr>
+        </p:nvSpPr>
+        <p:spPr>
+          <a:xfrm>
+            <a:off x="457200" y="1905000"/>
+            <a:ext cx="8229600" cy="4221163"/>
+          </a:xfrm>
+        </p:spPr>
+        <p:txBody>
+          <a:bodyPr/>
+          <a:lstStyle/>
+          <a:p>
+            <a:r>
+              <a:rPr lang="en-US" dirty="0"/>
+              <a:t>When a structured variable is passed as an input argument to a function, </a:t>
+            </a:r>
+            <a:r>
+              <a:rPr lang="en-US" b="1" dirty="0">
+                <a:solidFill>
+                  <a:srgbClr val="7030A0"/>
+                </a:solidFill>
+              </a:rPr>
+              <a:t>all of its component </a:t>
+            </a:r>
+            <a:r>
+              <a:rPr lang="en-US" b="1" u="sng" dirty="0">
+                <a:solidFill>
+                  <a:srgbClr val="7030A0"/>
+                </a:solidFill>
+              </a:rPr>
+              <a:t>values</a:t>
+            </a:r>
+            <a:r>
+              <a:rPr lang="en-US" b="1" dirty="0">
+                <a:solidFill>
+                  <a:srgbClr val="7030A0"/>
+                </a:solidFill>
+              </a:rPr>
+              <a:t> are copied </a:t>
+            </a:r>
+            <a:r>
+              <a:rPr lang="en-US" dirty="0"/>
+              <a:t>into the components of the function’s corresponding formal parameter.</a:t>
+            </a:r>
+          </a:p>
+          <a:p>
+            <a:endParaRPr lang="en-US" dirty="0"/>
+          </a:p>
+        </p:txBody>
+      </p:sp>
+      <p:sp>
+        <p:nvSpPr>
+          <p:cNvPr id="4" name="Footer Placeholder 3"/>
+          <p:cNvSpPr>
+            <a:spLocks noGrp="1"/>
+          </p:cNvSpPr>
+          <p:nvPr>
+            <p:ph type="ftr" sz="quarter" idx="11"/>
+          </p:nvPr>
+        </p:nvSpPr>
+        <p:spPr/>
+        <p:txBody>
+          <a:bodyPr/>
+          <a:lstStyle/>
+          <a:p>
+            <a:r>
+              <a:rPr lang="en-US"/>
+              <a:t>© 2016 Pearson Education, Inc., Hoboken, NJ.  All rights reserved.</a:t>
+            </a:r>
+          </a:p>
+        </p:txBody>
+      </p:sp>
+      <p:sp>
+        <p:nvSpPr>
+          <p:cNvPr id="5" name="Slide Number Placeholder 4"/>
+          <p:cNvSpPr>
+            <a:spLocks noGrp="1"/>
+          </p:cNvSpPr>
+          <p:nvPr>
+            <p:ph type="sldNum" sz="quarter" idx="12"/>
+          </p:nvPr>
+        </p:nvSpPr>
+        <p:spPr/>
+        <p:txBody>
+          <a:bodyPr/>
+          <a:lstStyle/>
+          <a:p>
+            <a:fld id="{85A8DA42-601D-40A8-83CA-2F2CBDE5F9F0}" type="slidenum">
+              <a:rPr lang="en-US" smtClean="0"/>
+              <a:t>8</a:t>
+            </a:fld>
+            <a:endParaRPr lang="en-US"/>
+          </a:p>
+        </p:txBody>
+      </p:sp>
+    </p:spTree>
+    <p:extLst>
+      <p:ext uri="{BB962C8B-B14F-4D97-AF65-F5344CB8AC3E}">
+        <p14:creationId xmlns:p14="http://schemas.microsoft.com/office/powerpoint/2010/main" val="3088101599"/>
+      </p:ext>
+    </p:extLst>
+  </p:cSld>
+  <p:clrMapOvr>
+    <a:masterClrMapping/>
+  </p:clrMapOvr>
+</p:sld>
+</file>
+
 <file path=ppt/slides/slide9.xml><?xml version="1.0" encoding="utf-8"?>
 <p:sld xmlns:a="http://schemas.openxmlformats.org/drawingml/2006/main" xmlns:r="http://schemas.openxmlformats.org/officeDocument/2006/relationships" xmlns:p="http://schemas.openxmlformats.org/presentationml/2006/main">
   <p:cSld>
@@ -7759,35 +7595,46 @@
           <a:p>
             <a:r>
               <a:rPr lang="en-US" dirty="0"/>
-              <a:t>When a structured variable is passed as an input argument to a function, </a:t>
-            </a:r>
-            <a:r>
-              <a:rPr lang="en-US" b="1" dirty="0">
+              <a:t>When such a variable is used as an output argument, the address-of operator must be applied in the same way that we would pass output arguments of the standard types </a:t>
+            </a:r>
+            <a:r>
+              <a:rPr lang="en-US" dirty="0">
                 <a:solidFill>
                   <a:srgbClr val="7030A0"/>
                 </a:solidFill>
+                <a:latin typeface="Cambria" panose="02040503050406030204" pitchFamily="18" charset="0"/>
               </a:rPr>
-              <a:t>all of its component </a:t>
-            </a:r>
-            <a:r>
-              <a:rPr lang="en-US" b="1" u="sng" dirty="0">
+              <a:t>char</a:t>
+            </a:r>
+            <a:r>
+              <a:rPr lang="en-US" dirty="0"/>
+              <a:t>, </a:t>
+            </a:r>
+            <a:r>
+              <a:rPr lang="en-US" dirty="0" err="1">
                 <a:solidFill>
                   <a:srgbClr val="7030A0"/>
                 </a:solidFill>
+                <a:latin typeface="Cambria" panose="02040503050406030204" pitchFamily="18" charset="0"/>
               </a:rPr>
-              <a:t>values</a:t>
-            </a:r>
-            <a:r>
-              <a:rPr lang="en-US" b="1" dirty="0">
+              <a:t>int</a:t>
+            </a:r>
+            <a:r>
+              <a:rPr lang="en-US" dirty="0"/>
+              <a:t>, and </a:t>
+            </a:r>
+            <a:r>
+              <a:rPr lang="en-US" dirty="0">
                 <a:solidFill>
                   <a:srgbClr val="7030A0"/>
                 </a:solidFill>
+                <a:latin typeface="Cambria" panose="02040503050406030204" pitchFamily="18" charset="0"/>
               </a:rPr>
-              <a:t> are copied </a:t>
+              <a:t>double</a:t>
             </a:r>
             <a:r>
               <a:rPr lang="en-US" dirty="0"/>
-              <a:t>into the components of the function’s corresponding formal parameter.</a:t>
+              <a:t>.</a:t>
             </a:r>
           </a:p>
           <a:p>
@@ -7843,7 +7690,7 @@
     </p:spTree>
     <p:extLst>
       <p:ext uri="{BB962C8B-B14F-4D97-AF65-F5344CB8AC3E}">
-        <p14:creationId xmlns:p14="http://schemas.microsoft.com/office/powerpoint/2010/main" val="3088101599"/>
+        <p14:creationId xmlns:p14="http://schemas.microsoft.com/office/powerpoint/2010/main" val="761219127"/>
       </p:ext>
     </p:extLst>
   </p:cSld>
